--- a/SAPHana.pptx
+++ b/SAPHana.pptx
@@ -5,32 +5,33 @@
     <p:sldMasterId id="2147483648" r:id="rId1"/>
   </p:sldMasterIdLst>
   <p:notesMasterIdLst>
-    <p:notesMasterId r:id="rId22"/>
+    <p:notesMasterId r:id="rId23"/>
   </p:notesMasterIdLst>
   <p:handoutMasterIdLst>
-    <p:handoutMasterId r:id="rId23"/>
+    <p:handoutMasterId r:id="rId24"/>
   </p:handoutMasterIdLst>
   <p:sldIdLst>
     <p:sldId id="265" r:id="rId2"/>
     <p:sldId id="280" r:id="rId3"/>
     <p:sldId id="264" r:id="rId4"/>
-    <p:sldId id="266" r:id="rId5"/>
-    <p:sldId id="267" r:id="rId6"/>
-    <p:sldId id="268" r:id="rId7"/>
-    <p:sldId id="269" r:id="rId8"/>
-    <p:sldId id="270" r:id="rId9"/>
-    <p:sldId id="271" r:id="rId10"/>
-    <p:sldId id="272" r:id="rId11"/>
-    <p:sldId id="273" r:id="rId12"/>
-    <p:sldId id="274" r:id="rId13"/>
-    <p:sldId id="275" r:id="rId14"/>
-    <p:sldId id="276" r:id="rId15"/>
-    <p:sldId id="277" r:id="rId16"/>
-    <p:sldId id="284" r:id="rId17"/>
-    <p:sldId id="282" r:id="rId18"/>
-    <p:sldId id="283" r:id="rId19"/>
-    <p:sldId id="285" r:id="rId20"/>
-    <p:sldId id="279" r:id="rId21"/>
+    <p:sldId id="286" r:id="rId5"/>
+    <p:sldId id="266" r:id="rId6"/>
+    <p:sldId id="267" r:id="rId7"/>
+    <p:sldId id="268" r:id="rId8"/>
+    <p:sldId id="269" r:id="rId9"/>
+    <p:sldId id="270" r:id="rId10"/>
+    <p:sldId id="271" r:id="rId11"/>
+    <p:sldId id="272" r:id="rId12"/>
+    <p:sldId id="273" r:id="rId13"/>
+    <p:sldId id="274" r:id="rId14"/>
+    <p:sldId id="275" r:id="rId15"/>
+    <p:sldId id="276" r:id="rId16"/>
+    <p:sldId id="277" r:id="rId17"/>
+    <p:sldId id="284" r:id="rId18"/>
+    <p:sldId id="282" r:id="rId19"/>
+    <p:sldId id="283" r:id="rId20"/>
+    <p:sldId id="285" r:id="rId21"/>
+    <p:sldId id="279" r:id="rId22"/>
   </p:sldIdLst>
   <p:sldSz cx="9144000" cy="6858000" type="screen4x3"/>
   <p:notesSz cx="6888163" cy="9623425"/>
@@ -174,8 +175,62 @@
         </p15:guide>
       </p15:sldGuideLst>
     </p:ext>
+    <p:ext uri="{2D200454-40CA-4A62-9FC3-DE9A4176ACB9}">
+      <p15:notesGuideLst xmlns:p15="http://schemas.microsoft.com/office/powerpoint/2012/main"/>
+    </p:ext>
   </p:extLst>
 </p:presentation>
+</file>
+
+<file path=ppt/changesInfos/changesInfo1.xml><?xml version="1.0" encoding="utf-8"?>
+<pc:chgInfo xmlns:a="http://schemas.openxmlformats.org/drawingml/2006/main" xmlns:r="http://schemas.openxmlformats.org/officeDocument/2006/relationships" xmlns:ac="http://schemas.microsoft.com/office/drawing/2013/main/command" xmlns:pc="http://schemas.microsoft.com/office/powerpoint/2013/main/command">
+  <pc:docChgLst>
+    <pc:chgData name="Robert Pietzschmann" userId="c7f59647ab801a01" providerId="LiveId" clId="{943B4E65-9082-4CC9-8A88-14CECA6BA227}"/>
+    <pc:docChg chg="undo custSel addSld modSld sldOrd">
+      <pc:chgData name="Robert Pietzschmann" userId="c7f59647ab801a01" providerId="LiveId" clId="{943B4E65-9082-4CC9-8A88-14CECA6BA227}" dt="2018-01-14T12:38:50.797" v="3649" actId="20577"/>
+      <pc:docMkLst>
+        <pc:docMk/>
+      </pc:docMkLst>
+      <pc:sldChg chg="modNotesTx">
+        <pc:chgData name="Robert Pietzschmann" userId="c7f59647ab801a01" providerId="LiveId" clId="{943B4E65-9082-4CC9-8A88-14CECA6BA227}" dt="2018-01-14T11:57:30.216" v="580" actId="20577"/>
+        <pc:sldMkLst>
+          <pc:docMk/>
+          <pc:sldMk cId="2780534605" sldId="264"/>
+        </pc:sldMkLst>
+      </pc:sldChg>
+      <pc:sldChg chg="ord">
+        <pc:chgData name="Robert Pietzschmann" userId="c7f59647ab801a01" providerId="LiveId" clId="{943B4E65-9082-4CC9-8A88-14CECA6BA227}" dt="2018-01-14T12:38:35.099" v="3637"/>
+        <pc:sldMkLst>
+          <pc:docMk/>
+          <pc:sldMk cId="1389049837" sldId="276"/>
+        </pc:sldMkLst>
+      </pc:sldChg>
+      <pc:sldChg chg="delSp modSp add modNotesTx">
+        <pc:chgData name="Robert Pietzschmann" userId="c7f59647ab801a01" providerId="LiveId" clId="{943B4E65-9082-4CC9-8A88-14CECA6BA227}" dt="2018-01-14T12:38:50.797" v="3649" actId="20577"/>
+        <pc:sldMkLst>
+          <pc:docMk/>
+          <pc:sldMk cId="1319687565" sldId="286"/>
+        </pc:sldMkLst>
+        <pc:spChg chg="mod">
+          <ac:chgData name="Robert Pietzschmann" userId="c7f59647ab801a01" providerId="LiveId" clId="{943B4E65-9082-4CC9-8A88-14CECA6BA227}" dt="2018-01-14T12:38:50.797" v="3649" actId="20577"/>
+          <ac:spMkLst>
+            <pc:docMk/>
+            <pc:sldMk cId="1319687565" sldId="286"/>
+            <ac:spMk id="2" creationId="{00000000-0000-0000-0000-000000000000}"/>
+          </ac:spMkLst>
+        </pc:spChg>
+        <pc:picChg chg="del">
+          <ac:chgData name="Robert Pietzschmann" userId="c7f59647ab801a01" providerId="LiveId" clId="{943B4E65-9082-4CC9-8A88-14CECA6BA227}" dt="2018-01-14T11:58:25.269" v="582" actId="478"/>
+          <ac:picMkLst>
+            <pc:docMk/>
+            <pc:sldMk cId="1319687565" sldId="286"/>
+            <ac:picMk id="1028" creationId="{00000000-0000-0000-0000-000000000000}"/>
+          </ac:picMkLst>
+        </pc:picChg>
+      </pc:sldChg>
+    </pc:docChg>
+  </pc:docChgLst>
+</pc:chgInfo>
 </file>
 
 <file path=ppt/handoutMasters/handoutMaster1.xml><?xml version="1.0" encoding="utf-8"?>
@@ -872,46 +927,99 @@
           <a:lstStyle/>
           <a:p>
             <a:r>
-              <a:rPr lang="de-DE" dirty="0" err="1" smtClean="0"/>
+              <a:rPr lang="de-DE" dirty="0"/>
               <a:t>Dictionary</a:t>
             </a:r>
             <a:r>
-              <a:rPr lang="de-DE" baseline="0" dirty="0" smtClean="0"/>
+              <a:rPr lang="de-DE" baseline="0" dirty="0"/>
               <a:t> ist eine Komprimierung vom typ light-</a:t>
             </a:r>
             <a:r>
-              <a:rPr lang="de-DE" baseline="0" dirty="0" err="1" smtClean="0"/>
+              <a:rPr lang="de-DE" baseline="0" dirty="0" err="1"/>
               <a:t>weight</a:t>
             </a:r>
             <a:r>
-              <a:rPr lang="de-DE" baseline="0" dirty="0" smtClean="0"/>
+              <a:rPr lang="de-DE" baseline="0" dirty="0"/>
               <a:t> </a:t>
             </a:r>
             <a:r>
-              <a:rPr lang="de-DE" baseline="0" dirty="0" err="1" smtClean="0"/>
+              <a:rPr lang="de-DE" baseline="0" dirty="0" err="1"/>
               <a:t>komprimierung</a:t>
             </a:r>
             <a:r>
-              <a:rPr lang="de-DE" baseline="0" dirty="0" smtClean="0"/>
-              <a:t>. Light </a:t>
-            </a:r>
-            <a:r>
-              <a:rPr lang="de-DE" baseline="0" dirty="0" err="1" smtClean="0"/>
+              <a:rPr lang="de-DE" baseline="0" dirty="0"/>
+              <a:t>. </a:t>
+            </a:r>
+          </a:p>
+          <a:p>
+            <a:r>
+              <a:rPr lang="de-DE" baseline="0" dirty="0"/>
+              <a:t>Light </a:t>
+            </a:r>
+            <a:r>
+              <a:rPr lang="de-DE" baseline="0" dirty="0" err="1"/>
               <a:t>weight</a:t>
             </a:r>
             <a:r>
-              <a:rPr lang="de-DE" baseline="0" dirty="0" smtClean="0"/>
-              <a:t> bedeutet, dass die </a:t>
-            </a:r>
-            <a:r>
-              <a:rPr lang="de-DE" baseline="0" dirty="0" err="1" smtClean="0"/>
-              <a:t>daten</a:t>
-            </a:r>
-            <a:r>
-              <a:rPr lang="de-DE" baseline="0" dirty="0" smtClean="0"/>
-              <a:t> zwar komprimiert werden, aber noch so dass damit gearbeitet werden kann ohne sie wieder zu dekomprimieren</a:t>
-            </a:r>
-            <a:endParaRPr lang="de-DE" dirty="0"/>
+              <a:rPr lang="de-DE" baseline="0" dirty="0"/>
+              <a:t> bedeutet, dass die daten zwar komprimiert werden, aber noch so dass damit gearbeitet werden kann ohne sie wieder zu dekomprimieren (durch Indexe). </a:t>
+            </a:r>
+          </a:p>
+          <a:p>
+            <a:r>
+              <a:rPr lang="de-DE" baseline="0" dirty="0"/>
+              <a:t>Funktionsweise: Werte mit großer Länge, Speicherbedarf wie Texte werden als Integer Wert gespeichert </a:t>
+            </a:r>
+          </a:p>
+          <a:p>
+            <a:pPr marL="171450" indent="-171450">
+              <a:buFontTx/>
+              <a:buChar char="-"/>
+            </a:pPr>
+            <a:r>
+              <a:rPr lang="de-DE" baseline="0" dirty="0"/>
+              <a:t>Jedem String ein Integer zugeordnet</a:t>
+            </a:r>
+          </a:p>
+          <a:p>
+            <a:pPr marL="171450" indent="-171450">
+              <a:buFontTx/>
+              <a:buChar char="-"/>
+            </a:pPr>
+            <a:r>
+              <a:rPr lang="de-DE" baseline="0" dirty="0"/>
+              <a:t>Integer statt Strings in Attribut Vector gespeichert</a:t>
+            </a:r>
+          </a:p>
+          <a:p>
+            <a:pPr marL="171450" indent="-171450">
+              <a:buFontTx/>
+              <a:buChar char="-"/>
+            </a:pPr>
+            <a:r>
+              <a:rPr lang="de-DE" baseline="0" dirty="0"/>
+              <a:t>Prozessor auf Integer Werte ausgelegt, kann diese schneller verarbeiten</a:t>
+            </a:r>
+          </a:p>
+          <a:p>
+            <a:pPr marL="171450" indent="-171450">
+              <a:buFontTx/>
+              <a:buChar char="-"/>
+            </a:pPr>
+            <a:r>
+              <a:rPr lang="de-DE" baseline="0" dirty="0"/>
+              <a:t>Weiterer Vorteil durch Sortierung (Binärsuche möglich) aber schlecht bei Anfügen von neuen Werten da immer wieder neu sortiert werden muss</a:t>
+            </a:r>
+          </a:p>
+          <a:p>
+            <a:pPr marL="171450" indent="-171450">
+              <a:buFontTx/>
+              <a:buChar char="-"/>
+            </a:pPr>
+            <a:r>
+              <a:rPr lang="de-DE" baseline="0" dirty="0"/>
+              <a:t> </a:t>
+            </a:r>
           </a:p>
         </p:txBody>
       </p:sp>
@@ -996,15 +1104,120 @@
           <a:bodyPr/>
           <a:lstStyle/>
           <a:p>
-            <a:r>
-              <a:rPr lang="de-DE" dirty="0" smtClean="0"/>
-              <a:t>Blade</a:t>
-            </a:r>
-            <a:r>
-              <a:rPr lang="de-DE" baseline="0" dirty="0" smtClean="0"/>
-              <a:t> ist ein Server der kompakt gebaut aber sehr leistungsfähig für seine Größe ist</a:t>
-            </a:r>
-            <a:endParaRPr lang="de-DE" dirty="0"/>
+            <a:pPr marL="171450" indent="-171450">
+              <a:buFontTx/>
+              <a:buChar char="-"/>
+            </a:pPr>
+            <a:r>
+              <a:rPr lang="de-DE" baseline="0" dirty="0"/>
+              <a:t>Mehrere Terabyte Datenbank ohne zusätzliche Komprimierung nicht komplett in Speicher haltbar</a:t>
+            </a:r>
+          </a:p>
+          <a:p>
+            <a:pPr marL="171450" indent="-171450">
+              <a:buFontTx/>
+              <a:buChar char="-"/>
+            </a:pPr>
+            <a:r>
+              <a:rPr lang="de-DE" baseline="0" dirty="0" err="1"/>
+              <a:t>Prefix</a:t>
+            </a:r>
+            <a:r>
+              <a:rPr lang="de-DE" baseline="0" dirty="0"/>
+              <a:t>: Sortierung nach tonangebenden Wert, Attributvektor startet damit/ beinhaltet ID des Wertes nur noch ein mal + Häufigkeit dessen (keine Dopplungen mehr -&gt; Einsparung Speicher)+  </a:t>
+            </a:r>
+            <a:r>
+              <a:rPr lang="de-DE" baseline="0" dirty="0" err="1"/>
+              <a:t>Ids</a:t>
+            </a:r>
+            <a:r>
+              <a:rPr lang="de-DE" baseline="0" dirty="0"/>
+              <a:t> nachfolgender nicht tonangebender Werte</a:t>
+            </a:r>
+          </a:p>
+          <a:p>
+            <a:pPr marL="171450" indent="-171450">
+              <a:buFontTx/>
+              <a:buChar char="-"/>
+            </a:pPr>
+            <a:r>
+              <a:rPr lang="de-DE" baseline="0" dirty="0"/>
+              <a:t>Run </a:t>
+            </a:r>
+            <a:r>
+              <a:rPr lang="de-DE" baseline="0" dirty="0" err="1"/>
+              <a:t>Length</a:t>
+            </a:r>
+            <a:r>
+              <a:rPr lang="de-DE" baseline="0" dirty="0"/>
+              <a:t>: am Besten wenn Vektor mehrere verschiedene Werte mit großer Häufigkeit hat, Maximale Kompression durch Sortierung, gleiche Werte zu einem Zusammengefasst + entweder Häufigkeit oder Startposition (Startposition verbraucht etwas mehr Speicher, da bei letztem Wert Häufigkeit einmalig gespeichert werden muss, aber bietet direkten Zugriff mit Binärsuche was wesentlich bessere Performance bietet) </a:t>
+            </a:r>
+          </a:p>
+          <a:p>
+            <a:pPr marL="171450" indent="-171450">
+              <a:buFontTx/>
+              <a:buChar char="-"/>
+            </a:pPr>
+            <a:r>
+              <a:rPr lang="de-DE" baseline="0" dirty="0"/>
+              <a:t>Cluster Encoding: Aufteilung in gleich große Blöcke (oft 1024 Einheiten), wenn alle Werte in Block gleich -&gt; Zusammenfassen zu einem Wert + Häufigkeit dessen, bei unterschiedlichen Werten keine Komprimierung, in zusätzlichen Bit Vektor Darstellung wo was ersetzt wurde (1 wenn ersetzt 0 wenn unkomprimiert) </a:t>
+            </a:r>
+          </a:p>
+          <a:p>
+            <a:pPr marL="171450" indent="-171450">
+              <a:buFontTx/>
+              <a:buChar char="-"/>
+            </a:pPr>
+            <a:r>
+              <a:rPr lang="de-DE" baseline="0" dirty="0" err="1"/>
+              <a:t>Indirect</a:t>
+            </a:r>
+            <a:r>
+              <a:rPr lang="de-DE" baseline="0" dirty="0"/>
+              <a:t> Encoding: wieder Unterteilung in Blöcke, wenn </a:t>
+            </a:r>
+            <a:r>
+              <a:rPr lang="de-DE" baseline="0" dirty="0" err="1"/>
+              <a:t>Sorteirung</a:t>
+            </a:r>
+            <a:r>
+              <a:rPr lang="de-DE" baseline="0" dirty="0"/>
+              <a:t> nach anderer Spalte kann hier Performance Vorteil für abhängige Spalte erreicht werden -&gt; Tabelle nach Ländern sortiert, Vornamen steht dazu in Korrelation &gt; -&gt; durchschnittlich 200 Vornamen pro 1024 Block pro Land -&gt; In extra Dictionary werden </a:t>
+            </a:r>
+            <a:r>
+              <a:rPr lang="de-DE" baseline="0" dirty="0" err="1"/>
+              <a:t>Ids</a:t>
+            </a:r>
+            <a:r>
+              <a:rPr lang="de-DE" baseline="0" dirty="0"/>
+              <a:t> der Vornamen nun Nummern von 0 bis 199 zugeordnet und nur diese in einem Block gespeichert anstelle von IDs der Länder/ Einsparung bei Bsp. Da nur noch 8 statt 23 Bit benötigt werden pro Eintrag im Block </a:t>
+            </a:r>
+          </a:p>
+          <a:p>
+            <a:pPr marL="0" indent="0">
+              <a:buFontTx/>
+              <a:buNone/>
+            </a:pPr>
+            <a:r>
+              <a:rPr lang="de-DE" baseline="0" dirty="0"/>
+              <a:t>-   Delta Encoding: Reduzierung des Speicherbedarfs des </a:t>
+            </a:r>
+            <a:r>
+              <a:rPr lang="de-DE" baseline="0" dirty="0" err="1"/>
+              <a:t>Dictionarys</a:t>
+            </a:r>
+            <a:r>
+              <a:rPr lang="de-DE" baseline="0" dirty="0"/>
+              <a:t> -&gt; bei alphanumerischer Sortierung bei Städten z.B. mehrere Städte mit selben Vorsilben (Aach und Aachen z.B.)-&gt; wieder </a:t>
+            </a:r>
+            <a:r>
+              <a:rPr lang="de-DE" baseline="0" dirty="0" err="1"/>
+              <a:t>unterteilung</a:t>
+            </a:r>
+            <a:r>
+              <a:rPr lang="de-DE" baseline="0" dirty="0"/>
+              <a:t> in Blöcke (aber hier meist nur 16 Werte pro Block) -&gt; erster Wert in Block wird mit Länge dessen gespeichert (Aach mit 4 Zeichen), in zweiten Block wird dann bei gleichen Zeichen Anzahl derer zum Vorgänger gespeichert (bei Aachen also wieder 4) plus Anzahl folgender Zeichen (2 bei Aachen) </a:t>
+            </a:r>
           </a:p>
         </p:txBody>
       </p:sp>
@@ -1035,7 +1248,7 @@
     </p:spTree>
     <p:extLst>
       <p:ext uri="{BB962C8B-B14F-4D97-AF65-F5344CB8AC3E}">
-        <p14:creationId xmlns:p14="http://schemas.microsoft.com/office/powerpoint/2010/main" val="1848820042"/>
+        <p14:creationId xmlns:p14="http://schemas.microsoft.com/office/powerpoint/2010/main" val="2314710308"/>
       </p:ext>
     </p:extLst>
   </p:cSld>
@@ -1090,16 +1303,12 @@
           <a:lstStyle/>
           <a:p>
             <a:r>
-              <a:rPr lang="de-DE" dirty="0" smtClean="0"/>
-              <a:t>Data und Log </a:t>
-            </a:r>
-            <a:r>
-              <a:rPr lang="de-DE" dirty="0" err="1" smtClean="0"/>
-              <a:t>Volumes</a:t>
-            </a:r>
-            <a:r>
-              <a:rPr lang="de-DE" dirty="0" smtClean="0"/>
-              <a:t> enthalten alle Änderungen der Daten</a:t>
+              <a:rPr lang="de-DE" dirty="0"/>
+              <a:t>Blade</a:t>
+            </a:r>
+            <a:r>
+              <a:rPr lang="de-DE" baseline="0" dirty="0"/>
+              <a:t> ist ein Server der kompakt gebaut aber sehr leistungsfähig für seine Größe ist</a:t>
             </a:r>
             <a:endParaRPr lang="de-DE" dirty="0"/>
           </a:p>
@@ -1124,6 +1333,102 @@
               <a:rPr lang="de-DE" smtClean="0"/>
               <a:pPr/>
               <a:t>5</a:t>
+            </a:fld>
+            <a:endParaRPr lang="de-DE"/>
+          </a:p>
+        </p:txBody>
+      </p:sp>
+    </p:spTree>
+    <p:extLst>
+      <p:ext uri="{BB962C8B-B14F-4D97-AF65-F5344CB8AC3E}">
+        <p14:creationId xmlns:p14="http://schemas.microsoft.com/office/powerpoint/2010/main" val="1848820042"/>
+      </p:ext>
+    </p:extLst>
+  </p:cSld>
+  <p:clrMapOvr>
+    <a:masterClrMapping/>
+  </p:clrMapOvr>
+</p:notes>
+</file>
+
+<file path=ppt/notesSlides/notesSlide4.xml><?xml version="1.0" encoding="utf-8"?>
+<p:notes xmlns:a="http://schemas.openxmlformats.org/drawingml/2006/main" xmlns:r="http://schemas.openxmlformats.org/officeDocument/2006/relationships" xmlns:p="http://schemas.openxmlformats.org/presentationml/2006/main">
+  <p:cSld>
+    <p:spTree>
+      <p:nvGrpSpPr>
+        <p:cNvPr id="1" name=""/>
+        <p:cNvGrpSpPr/>
+        <p:nvPr/>
+      </p:nvGrpSpPr>
+      <p:grpSpPr>
+        <a:xfrm>
+          <a:off x="0" y="0"/>
+          <a:ext cx="0" cy="0"/>
+          <a:chOff x="0" y="0"/>
+          <a:chExt cx="0" cy="0"/>
+        </a:xfrm>
+      </p:grpSpPr>
+      <p:sp>
+        <p:nvSpPr>
+          <p:cNvPr id="2" name="Folienbildplatzhalter 1"/>
+          <p:cNvSpPr>
+            <a:spLocks noGrp="1" noRot="1" noChangeAspect="1"/>
+          </p:cNvSpPr>
+          <p:nvPr>
+            <p:ph type="sldImg"/>
+          </p:nvPr>
+        </p:nvSpPr>
+        <p:spPr/>
+      </p:sp>
+      <p:sp>
+        <p:nvSpPr>
+          <p:cNvPr id="3" name="Notizenplatzhalter 2"/>
+          <p:cNvSpPr>
+            <a:spLocks noGrp="1"/>
+          </p:cNvSpPr>
+          <p:nvPr>
+            <p:ph type="body" idx="1"/>
+          </p:nvPr>
+        </p:nvSpPr>
+        <p:spPr/>
+        <p:txBody>
+          <a:bodyPr/>
+          <a:lstStyle/>
+          <a:p>
+            <a:r>
+              <a:rPr lang="de-DE" dirty="0"/>
+              <a:t>Data und Log </a:t>
+            </a:r>
+            <a:r>
+              <a:rPr lang="de-DE" dirty="0" err="1"/>
+              <a:t>Volumes</a:t>
+            </a:r>
+            <a:r>
+              <a:rPr lang="de-DE" dirty="0"/>
+              <a:t> enthalten alle Änderungen der Daten</a:t>
+            </a:r>
+          </a:p>
+        </p:txBody>
+      </p:sp>
+      <p:sp>
+        <p:nvSpPr>
+          <p:cNvPr id="4" name="Foliennummernplatzhalter 3"/>
+          <p:cNvSpPr>
+            <a:spLocks noGrp="1"/>
+          </p:cNvSpPr>
+          <p:nvPr>
+            <p:ph type="sldNum" sz="quarter" idx="10"/>
+          </p:nvPr>
+        </p:nvSpPr>
+        <p:spPr/>
+        <p:txBody>
+          <a:bodyPr/>
+          <a:lstStyle/>
+          <a:p>
+            <a:fld id="{AB9EDB5D-BD4B-C740-8F6C-B28044BEA9E4}" type="slidenum">
+              <a:rPr lang="de-DE" smtClean="0"/>
+              <a:pPr/>
+              <a:t>6</a:t>
             </a:fld>
             <a:endParaRPr lang="de-DE"/>
           </a:p>
@@ -1184,38 +1489,37 @@
           <a:p>
             <a:pPr lvl="0"/>
             <a:r>
-              <a:rPr lang="de-DE" dirty="0" smtClean="0"/>
+              <a:rPr lang="de-DE" dirty="0"/>
               <a:t>Mastertextformat bearbeiten</a:t>
             </a:r>
           </a:p>
           <a:p>
             <a:pPr lvl="1"/>
             <a:r>
-              <a:rPr lang="de-DE" dirty="0" smtClean="0"/>
+              <a:rPr lang="de-DE" dirty="0"/>
               <a:t>Zweite Ebene</a:t>
             </a:r>
           </a:p>
           <a:p>
             <a:pPr lvl="2"/>
             <a:r>
-              <a:rPr lang="de-DE" dirty="0" smtClean="0"/>
+              <a:rPr lang="de-DE" dirty="0"/>
               <a:t>Dritte Ebene</a:t>
             </a:r>
           </a:p>
           <a:p>
             <a:pPr lvl="3"/>
             <a:r>
-              <a:rPr lang="de-DE" dirty="0" smtClean="0"/>
+              <a:rPr lang="de-DE" dirty="0"/>
               <a:t>Vierte Ebene</a:t>
             </a:r>
           </a:p>
           <a:p>
             <a:pPr lvl="4"/>
             <a:r>
-              <a:rPr lang="de-DE" dirty="0" smtClean="0"/>
+              <a:rPr lang="de-DE" dirty="0"/>
               <a:t>Fünfte Ebene</a:t>
             </a:r>
-            <a:endParaRPr lang="de-DE" dirty="0"/>
           </a:p>
         </p:txBody>
       </p:sp>
@@ -1281,10 +1585,10 @@
           <a:p>
             <a:pPr lvl="0"/>
             <a:r>
-              <a:rPr lang="en-US" dirty="0" err="1" smtClean="0"/>
+              <a:rPr lang="en-US" dirty="0" err="1"/>
               <a:t>Titelmaster</a:t>
             </a:r>
-            <a:endParaRPr lang="en-US" dirty="0" smtClean="0"/>
+            <a:endParaRPr lang="en-US" dirty="0"/>
           </a:p>
         </p:txBody>
       </p:sp>
@@ -1293,13 +1597,6 @@
   <p:clrMapOvr>
     <a:masterClrMapping/>
   </p:clrMapOvr>
-  <p:timing>
-    <p:tnLst>
-      <p:par>
-        <p:cTn id="1" dur="indefinite" restart="never" nodeType="tmRoot"/>
-      </p:par>
-    </p:tnLst>
-  </p:timing>
 </p:sldLayout>
 </file>
 
@@ -1409,10 +1706,10 @@
           <a:p>
             <a:pPr lvl="0"/>
             <a:r>
-              <a:rPr lang="en-US" dirty="0" err="1" smtClean="0"/>
+              <a:rPr lang="en-US" dirty="0" err="1"/>
               <a:t>Titelmaster</a:t>
             </a:r>
-            <a:endParaRPr lang="en-US" dirty="0" smtClean="0"/>
+            <a:endParaRPr lang="en-US" dirty="0"/>
           </a:p>
         </p:txBody>
       </p:sp>
@@ -1421,13 +1718,6 @@
   <p:clrMapOvr>
     <a:masterClrMapping/>
   </p:clrMapOvr>
-  <p:timing>
-    <p:tnLst>
-      <p:par>
-        <p:cTn id="1" dur="indefinite" restart="never" nodeType="tmRoot"/>
-      </p:par>
-    </p:tnLst>
-  </p:timing>
 </p:sldLayout>
 </file>
 
@@ -1533,10 +1823,9 @@
           <a:p>
             <a:pPr algn="l"/>
             <a:r>
-              <a:rPr lang="de-DE" sz="800" dirty="0" smtClean="0"/>
+              <a:rPr lang="de-DE" sz="800" dirty="0"/>
               <a:t>Titel der Präsentation</a:t>
             </a:r>
-            <a:endParaRPr lang="de-DE" sz="800" dirty="0"/>
           </a:p>
         </p:txBody>
       </p:sp>
@@ -1728,10 +2017,9 @@
           <a:p>
             <a:pPr algn="l"/>
             <a:r>
-              <a:rPr lang="de-DE" sz="800" dirty="0" smtClean="0"/>
+              <a:rPr lang="de-DE" sz="800" dirty="0"/>
               <a:t>30.11.2011</a:t>
             </a:r>
-            <a:endParaRPr lang="de-DE" sz="800" dirty="0"/>
           </a:p>
         </p:txBody>
       </p:sp>
@@ -1826,7 +2114,7 @@
           <a:p>
             <a:pPr algn="l"/>
             <a:r>
-              <a:rPr lang="de-DE" sz="800" dirty="0" smtClean="0"/>
+              <a:rPr lang="de-DE" sz="800" dirty="0"/>
               <a:t>Seite </a:t>
             </a:r>
             <a:fld id="{4C790DD4-CCC4-1747-B78A-F5A5F626767F}" type="slidenum">
@@ -1845,13 +2133,6 @@
     <p:sldLayoutId id="2147483649" r:id="rId1"/>
     <p:sldLayoutId id="2147483650" r:id="rId2"/>
   </p:sldLayoutIdLst>
-  <p:timing>
-    <p:tnLst>
-      <p:par>
-        <p:cTn id="1" dur="indefinite" restart="never" nodeType="tmRoot"/>
-      </p:par>
-    </p:tnLst>
-  </p:timing>
   <p:hf hdr="0" ftr="0" dt="0"/>
   <p:txStyles>
     <p:titleStyle>
@@ -2266,15 +2547,9 @@
               <a:buNone/>
             </a:pPr>
             <a:r>
-              <a:rPr lang="de-DE" dirty="0" smtClean="0"/>
+              <a:rPr lang="de-DE" dirty="0"/>
               <a:t>Zeilenorientiert:</a:t>
             </a:r>
-          </a:p>
-          <a:p>
-            <a:pPr marL="0" indent="0">
-              <a:buNone/>
-            </a:pPr>
-            <a:endParaRPr lang="de-DE" dirty="0" smtClean="0"/>
           </a:p>
           <a:p>
             <a:pPr marL="0" indent="0">
@@ -2286,8 +2561,14 @@
             <a:pPr marL="0" indent="0">
               <a:buNone/>
             </a:pPr>
-            <a:r>
-              <a:rPr lang="de-DE" dirty="0" smtClean="0"/>
+            <a:endParaRPr lang="de-DE" dirty="0"/>
+          </a:p>
+          <a:p>
+            <a:pPr marL="0" indent="0">
+              <a:buNone/>
+            </a:pPr>
+            <a:r>
+              <a:rPr lang="de-DE" dirty="0"/>
               <a:t>Spaltenorientiert:</a:t>
             </a:r>
           </a:p>
@@ -2301,7 +2582,7 @@
             <a:pPr marL="0" indent="0">
               <a:buNone/>
             </a:pPr>
-            <a:endParaRPr lang="de-DE" dirty="0" smtClean="0"/>
+            <a:endParaRPr lang="de-DE" dirty="0"/>
           </a:p>
           <a:p>
             <a:pPr marL="0" indent="0">
@@ -2313,7 +2594,7 @@
             <a:pPr marL="0" indent="0">
               <a:buNone/>
             </a:pPr>
-            <a:endParaRPr lang="de-DE" dirty="0" smtClean="0"/>
+            <a:endParaRPr lang="de-DE" dirty="0"/>
           </a:p>
           <a:p>
             <a:pPr marL="0" indent="0">
@@ -2351,10 +2632,9 @@
           <a:lstStyle/>
           <a:p>
             <a:r>
-              <a:rPr lang="de-DE" dirty="0" smtClean="0"/>
+              <a:rPr lang="de-DE" dirty="0"/>
               <a:t>Spaltenorientierte Speicherung</a:t>
             </a:r>
-            <a:endParaRPr lang="de-DE" dirty="0"/>
           </a:p>
         </p:txBody>
       </p:sp>
@@ -2441,17 +2721,6 @@
           <a:lstStyle/>
           <a:p>
             <a:r>
-              <a:rPr lang="de-DE" sz="800" dirty="0" smtClean="0">
-                <a:solidFill>
-                  <a:schemeClr val="tx1">
-                    <a:lumMod val="50000"/>
-                    <a:lumOff val="50000"/>
-                  </a:schemeClr>
-                </a:solidFill>
-              </a:rPr>
-              <a:t>Quellen: </a:t>
-            </a:r>
-            <a:r>
               <a:rPr lang="de-DE" sz="800" dirty="0">
                 <a:solidFill>
                   <a:schemeClr val="tx1">
@@ -2460,12 +2729,12 @@
                   </a:schemeClr>
                 </a:solidFill>
               </a:rPr>
-              <a:t>https://de.wikipedia.org/wiki/Spaltenorientierte_Datenbank</a:t>
-            </a:r>
-          </a:p>
-          <a:p>
-            <a:r>
-              <a:rPr lang="de-DE" sz="800" dirty="0" smtClean="0">
+              <a:t>Quellen: https://de.wikipedia.org/wiki/Spaltenorientierte_Datenbank</a:t>
+            </a:r>
+          </a:p>
+          <a:p>
+            <a:r>
+              <a:rPr lang="de-DE" sz="800" dirty="0">
                 <a:solidFill>
                   <a:schemeClr val="tx1">
                     <a:lumMod val="50000"/>
@@ -2475,14 +2744,6 @@
               </a:rPr>
               <a:t>  </a:t>
             </a:r>
-            <a:endParaRPr lang="de-DE" sz="800" dirty="0">
-              <a:solidFill>
-                <a:schemeClr val="tx1">
-                  <a:lumMod val="50000"/>
-                  <a:lumOff val="50000"/>
-                </a:schemeClr>
-              </a:solidFill>
-            </a:endParaRPr>
           </a:p>
         </p:txBody>
       </p:sp>
@@ -2496,13 +2757,6 @@
   <p:clrMapOvr>
     <a:masterClrMapping/>
   </p:clrMapOvr>
-  <p:timing>
-    <p:tnLst>
-      <p:par>
-        <p:cTn id="1" dur="indefinite" restart="never" nodeType="tmRoot"/>
-      </p:par>
-    </p:tnLst>
-  </p:timing>
 </p:sld>
 </file>
 
@@ -2525,7 +2779,7 @@
       </p:grpSpPr>
       <p:pic>
         <p:nvPicPr>
-          <p:cNvPr id="5" name="Inhaltsplatzhalter 4"/>
+          <p:cNvPr id="6" name="Inhaltsplatzhalter 5"/>
           <p:cNvPicPr>
             <a:picLocks noGrp="1" noChangeAspect="1"/>
           </p:cNvPicPr>
@@ -2568,10 +2822,9 @@
           <a:lstStyle/>
           <a:p>
             <a:r>
-              <a:rPr lang="de-DE" dirty="0" smtClean="0"/>
+              <a:rPr lang="de-DE" dirty="0"/>
               <a:t>Titel der Folie</a:t>
             </a:r>
-            <a:endParaRPr lang="de-DE" dirty="0"/>
           </a:p>
         </p:txBody>
       </p:sp>
@@ -2598,7 +2851,7 @@
           <a:lstStyle/>
           <a:p>
             <a:r>
-              <a:rPr lang="de-DE" sz="800" dirty="0" smtClean="0">
+              <a:rPr lang="de-DE" sz="800" dirty="0">
                 <a:solidFill>
                   <a:schemeClr val="tx1">
                     <a:lumMod val="50000"/>
@@ -2608,34 +2861,19 @@
               </a:rPr>
               <a:t>Quellen:  </a:t>
             </a:r>
-            <a:endParaRPr lang="de-DE" sz="800" dirty="0">
-              <a:solidFill>
-                <a:schemeClr val="tx1">
-                  <a:lumMod val="50000"/>
-                  <a:lumOff val="50000"/>
-                </a:schemeClr>
-              </a:solidFill>
-            </a:endParaRPr>
           </a:p>
         </p:txBody>
       </p:sp>
     </p:spTree>
     <p:extLst>
       <p:ext uri="{BB962C8B-B14F-4D97-AF65-F5344CB8AC3E}">
-        <p14:creationId xmlns:p14="http://schemas.microsoft.com/office/powerpoint/2010/main" val="1557915882"/>
+        <p14:creationId xmlns:p14="http://schemas.microsoft.com/office/powerpoint/2010/main" val="2723117229"/>
       </p:ext>
     </p:extLst>
   </p:cSld>
   <p:clrMapOvr>
     <a:masterClrMapping/>
   </p:clrMapOvr>
-  <p:timing>
-    <p:tnLst>
-      <p:par>
-        <p:cTn id="1" dur="indefinite" restart="never" nodeType="tmRoot"/>
-      </p:par>
-    </p:tnLst>
-  </p:timing>
 </p:sld>
 </file>
 
@@ -2701,10 +2939,9 @@
           <a:lstStyle/>
           <a:p>
             <a:r>
-              <a:rPr lang="de-DE" dirty="0" smtClean="0"/>
+              <a:rPr lang="de-DE" dirty="0"/>
               <a:t>Titel der Folie</a:t>
             </a:r>
-            <a:endParaRPr lang="de-DE" dirty="0"/>
           </a:p>
         </p:txBody>
       </p:sp>
@@ -2731,7 +2968,7 @@
           <a:lstStyle/>
           <a:p>
             <a:r>
-              <a:rPr lang="de-DE" sz="800" dirty="0" smtClean="0">
+              <a:rPr lang="de-DE" sz="800" dirty="0">
                 <a:solidFill>
                   <a:schemeClr val="tx1">
                     <a:lumMod val="50000"/>
@@ -2741,14 +2978,123 @@
               </a:rPr>
               <a:t>Quellen:  </a:t>
             </a:r>
-            <a:endParaRPr lang="de-DE" sz="800" dirty="0">
-              <a:solidFill>
-                <a:schemeClr val="tx1">
-                  <a:lumMod val="50000"/>
-                  <a:lumOff val="50000"/>
-                </a:schemeClr>
-              </a:solidFill>
-            </a:endParaRPr>
+          </a:p>
+        </p:txBody>
+      </p:sp>
+    </p:spTree>
+    <p:extLst>
+      <p:ext uri="{BB962C8B-B14F-4D97-AF65-F5344CB8AC3E}">
+        <p14:creationId xmlns:p14="http://schemas.microsoft.com/office/powerpoint/2010/main" val="1557915882"/>
+      </p:ext>
+    </p:extLst>
+  </p:cSld>
+  <p:clrMapOvr>
+    <a:masterClrMapping/>
+  </p:clrMapOvr>
+</p:sld>
+</file>
+
+<file path=ppt/slides/slide12.xml><?xml version="1.0" encoding="utf-8"?>
+<p:sld xmlns:a="http://schemas.openxmlformats.org/drawingml/2006/main" xmlns:r="http://schemas.openxmlformats.org/officeDocument/2006/relationships" xmlns:p="http://schemas.openxmlformats.org/presentationml/2006/main">
+  <p:cSld>
+    <p:spTree>
+      <p:nvGrpSpPr>
+        <p:cNvPr id="1" name=""/>
+        <p:cNvGrpSpPr/>
+        <p:nvPr/>
+      </p:nvGrpSpPr>
+      <p:grpSpPr>
+        <a:xfrm>
+          <a:off x="0" y="0"/>
+          <a:ext cx="0" cy="0"/>
+          <a:chOff x="0" y="0"/>
+          <a:chExt cx="0" cy="0"/>
+        </a:xfrm>
+      </p:grpSpPr>
+      <p:pic>
+        <p:nvPicPr>
+          <p:cNvPr id="5" name="Inhaltsplatzhalter 4"/>
+          <p:cNvPicPr>
+            <a:picLocks noGrp="1" noChangeAspect="1"/>
+          </p:cNvPicPr>
+          <p:nvPr>
+            <p:ph idx="1"/>
+          </p:nvPr>
+        </p:nvPicPr>
+        <p:blipFill>
+          <a:blip r:embed="rId2">
+            <a:extLst>
+              <a:ext uri="{28A0092B-C50C-407E-A947-70E740481C1C}">
+                <a14:useLocalDpi xmlns:a14="http://schemas.microsoft.com/office/drawing/2010/main" val="0"/>
+              </a:ext>
+            </a:extLst>
+          </a:blip>
+          <a:stretch>
+            <a:fillRect/>
+          </a:stretch>
+        </p:blipFill>
+        <p:spPr>
+          <a:xfrm>
+            <a:off x="431800" y="1440060"/>
+            <a:ext cx="8243888" cy="4481117"/>
+          </a:xfrm>
+        </p:spPr>
+      </p:pic>
+      <p:sp>
+        <p:nvSpPr>
+          <p:cNvPr id="3" name="Titel 2"/>
+          <p:cNvSpPr>
+            <a:spLocks noGrp="1"/>
+          </p:cNvSpPr>
+          <p:nvPr>
+            <p:ph type="title"/>
+          </p:nvPr>
+        </p:nvSpPr>
+        <p:spPr/>
+        <p:txBody>
+          <a:bodyPr/>
+          <a:lstStyle/>
+          <a:p>
+            <a:r>
+              <a:rPr lang="de-DE" dirty="0"/>
+              <a:t>Titel der Folie</a:t>
+            </a:r>
+          </a:p>
+        </p:txBody>
+      </p:sp>
+      <p:sp>
+        <p:nvSpPr>
+          <p:cNvPr id="4" name="Textfeld 3"/>
+          <p:cNvSpPr txBox="1"/>
+          <p:nvPr/>
+        </p:nvSpPr>
+        <p:spPr>
+          <a:xfrm>
+            <a:off x="432000" y="6309320"/>
+            <a:ext cx="627095" cy="215444"/>
+          </a:xfrm>
+          <a:prstGeom prst="rect">
+            <a:avLst/>
+          </a:prstGeom>
+          <a:noFill/>
+        </p:spPr>
+        <p:txBody>
+          <a:bodyPr wrap="none" rtlCol="0">
+            <a:spAutoFit/>
+          </a:bodyPr>
+          <a:lstStyle/>
+          <a:p>
+            <a:r>
+              <a:rPr lang="de-DE" sz="800" dirty="0">
+                <a:solidFill>
+                  <a:schemeClr val="tx1">
+                    <a:lumMod val="50000"/>
+                    <a:lumOff val="50000"/>
+                  </a:schemeClr>
+                </a:solidFill>
+              </a:rPr>
+              <a:t>Quellen:  </a:t>
+            </a:r>
           </a:p>
         </p:txBody>
       </p:sp>
@@ -2762,17 +3108,10 @@
   <p:clrMapOvr>
     <a:masterClrMapping/>
   </p:clrMapOvr>
-  <p:timing>
-    <p:tnLst>
-      <p:par>
-        <p:cTn id="1" dur="indefinite" restart="never" nodeType="tmRoot"/>
-      </p:par>
-    </p:tnLst>
-  </p:timing>
 </p:sld>
 </file>
 
-<file path=ppt/slides/slide12.xml><?xml version="1.0" encoding="utf-8"?>
+<file path=ppt/slides/slide13.xml><?xml version="1.0" encoding="utf-8"?>
 <p:sld xmlns:a="http://schemas.openxmlformats.org/drawingml/2006/main" xmlns:r="http://schemas.openxmlformats.org/officeDocument/2006/relationships" xmlns:p="http://schemas.openxmlformats.org/presentationml/2006/main">
   <p:cSld>
     <p:spTree>
@@ -2834,10 +3173,9 @@
           <a:lstStyle/>
           <a:p>
             <a:r>
-              <a:rPr lang="de-DE" dirty="0" smtClean="0"/>
+              <a:rPr lang="de-DE" dirty="0"/>
               <a:t>Titel der Folie</a:t>
             </a:r>
-            <a:endParaRPr lang="de-DE" dirty="0"/>
           </a:p>
         </p:txBody>
       </p:sp>
@@ -2864,7 +3202,7 @@
           <a:lstStyle/>
           <a:p>
             <a:r>
-              <a:rPr lang="de-DE" sz="800" dirty="0" smtClean="0">
+              <a:rPr lang="de-DE" sz="800" dirty="0">
                 <a:solidFill>
                   <a:schemeClr val="tx1">
                     <a:lumMod val="50000"/>
@@ -2874,14 +3212,6 @@
               </a:rPr>
               <a:t>Quellen:  4</a:t>
             </a:r>
-            <a:endParaRPr lang="de-DE" sz="800" dirty="0">
-              <a:solidFill>
-                <a:schemeClr val="tx1">
-                  <a:lumMod val="50000"/>
-                  <a:lumOff val="50000"/>
-                </a:schemeClr>
-              </a:solidFill>
-            </a:endParaRPr>
           </a:p>
         </p:txBody>
       </p:sp>
@@ -2895,17 +3225,10 @@
   <p:clrMapOvr>
     <a:masterClrMapping/>
   </p:clrMapOvr>
-  <p:timing>
-    <p:tnLst>
-      <p:par>
-        <p:cTn id="1" dur="indefinite" restart="never" nodeType="tmRoot"/>
-      </p:par>
-    </p:tnLst>
-  </p:timing>
 </p:sld>
 </file>
 
-<file path=ppt/slides/slide13.xml><?xml version="1.0" encoding="utf-8"?>
+<file path=ppt/slides/slide14.xml><?xml version="1.0" encoding="utf-8"?>
 <p:sld xmlns:a="http://schemas.openxmlformats.org/drawingml/2006/main" xmlns:r="http://schemas.openxmlformats.org/officeDocument/2006/relationships" xmlns:p="http://schemas.openxmlformats.org/presentationml/2006/main">
   <p:cSld>
     <p:spTree>
@@ -2967,10 +3290,9 @@
           <a:lstStyle/>
           <a:p>
             <a:r>
-              <a:rPr lang="de-DE" dirty="0" smtClean="0"/>
+              <a:rPr lang="de-DE" dirty="0"/>
               <a:t>Titel der Folie</a:t>
             </a:r>
-            <a:endParaRPr lang="de-DE" dirty="0"/>
           </a:p>
         </p:txBody>
       </p:sp>
@@ -2997,7 +3319,7 @@
           <a:lstStyle/>
           <a:p>
             <a:r>
-              <a:rPr lang="de-DE" sz="800" dirty="0" smtClean="0">
+              <a:rPr lang="de-DE" sz="800" dirty="0">
                 <a:solidFill>
                   <a:schemeClr val="tx1">
                     <a:lumMod val="50000"/>
@@ -3007,14 +3329,6 @@
               </a:rPr>
               <a:t>Quellen:  </a:t>
             </a:r>
-            <a:endParaRPr lang="de-DE" sz="800" dirty="0">
-              <a:solidFill>
-                <a:schemeClr val="tx1">
-                  <a:lumMod val="50000"/>
-                  <a:lumOff val="50000"/>
-                </a:schemeClr>
-              </a:solidFill>
-            </a:endParaRPr>
           </a:p>
         </p:txBody>
       </p:sp>
@@ -3028,17 +3342,10 @@
   <p:clrMapOvr>
     <a:masterClrMapping/>
   </p:clrMapOvr>
-  <p:timing>
-    <p:tnLst>
-      <p:par>
-        <p:cTn id="1" dur="indefinite" restart="never" nodeType="tmRoot"/>
-      </p:par>
-    </p:tnLst>
-  </p:timing>
 </p:sld>
 </file>
 
-<file path=ppt/slides/slide14.xml><?xml version="1.0" encoding="utf-8"?>
+<file path=ppt/slides/slide15.xml><?xml version="1.0" encoding="utf-8"?>
 <p:sld xmlns:a="http://schemas.openxmlformats.org/drawingml/2006/main" xmlns:r="http://schemas.openxmlformats.org/officeDocument/2006/relationships" xmlns:p="http://schemas.openxmlformats.org/presentationml/2006/main">
   <p:cSld>
     <p:spTree>
@@ -3100,10 +3407,9 @@
           <a:lstStyle/>
           <a:p>
             <a:r>
-              <a:rPr lang="de-DE" dirty="0" smtClean="0"/>
+              <a:rPr lang="de-DE" dirty="0"/>
               <a:t>Titel der Folie</a:t>
             </a:r>
-            <a:endParaRPr lang="de-DE" dirty="0"/>
           </a:p>
         </p:txBody>
       </p:sp>
@@ -3130,7 +3436,7 @@
           <a:lstStyle/>
           <a:p>
             <a:r>
-              <a:rPr lang="de-DE" sz="800" dirty="0" smtClean="0">
+              <a:rPr lang="de-DE" sz="800" dirty="0">
                 <a:solidFill>
                   <a:schemeClr val="tx1">
                     <a:lumMod val="50000"/>
@@ -3140,14 +3446,6 @@
               </a:rPr>
               <a:t>Quellen:  </a:t>
             </a:r>
-            <a:endParaRPr lang="de-DE" sz="800" dirty="0">
-              <a:solidFill>
-                <a:schemeClr val="tx1">
-                  <a:lumMod val="50000"/>
-                  <a:lumOff val="50000"/>
-                </a:schemeClr>
-              </a:solidFill>
-            </a:endParaRPr>
           </a:p>
         </p:txBody>
       </p:sp>
@@ -3161,17 +3459,10 @@
   <p:clrMapOvr>
     <a:masterClrMapping/>
   </p:clrMapOvr>
-  <p:timing>
-    <p:tnLst>
-      <p:par>
-        <p:cTn id="1" dur="indefinite" restart="never" nodeType="tmRoot"/>
-      </p:par>
-    </p:tnLst>
-  </p:timing>
 </p:sld>
 </file>
 
-<file path=ppt/slides/slide15.xml><?xml version="1.0" encoding="utf-8"?>
+<file path=ppt/slides/slide16.xml><?xml version="1.0" encoding="utf-8"?>
 <p:sld xmlns:a="http://schemas.openxmlformats.org/drawingml/2006/main" xmlns:r="http://schemas.openxmlformats.org/officeDocument/2006/relationships" xmlns:p="http://schemas.openxmlformats.org/presentationml/2006/main">
   <p:cSld>
     <p:spTree>
@@ -3233,10 +3524,9 @@
           <a:lstStyle/>
           <a:p>
             <a:r>
-              <a:rPr lang="de-DE" dirty="0" smtClean="0"/>
+              <a:rPr lang="de-DE" dirty="0"/>
               <a:t>Titel der Folie</a:t>
             </a:r>
-            <a:endParaRPr lang="de-DE" dirty="0"/>
           </a:p>
         </p:txBody>
       </p:sp>
@@ -3263,7 +3553,7 @@
           <a:lstStyle/>
           <a:p>
             <a:r>
-              <a:rPr lang="de-DE" sz="800" dirty="0" smtClean="0">
+              <a:rPr lang="de-DE" sz="800" dirty="0">
                 <a:solidFill>
                   <a:schemeClr val="tx1">
                     <a:lumMod val="50000"/>
@@ -3273,14 +3563,6 @@
               </a:rPr>
               <a:t>Quellen:  </a:t>
             </a:r>
-            <a:endParaRPr lang="de-DE" sz="800" dirty="0">
-              <a:solidFill>
-                <a:schemeClr val="tx1">
-                  <a:lumMod val="50000"/>
-                  <a:lumOff val="50000"/>
-                </a:schemeClr>
-              </a:solidFill>
-            </a:endParaRPr>
           </a:p>
         </p:txBody>
       </p:sp>
@@ -3294,17 +3576,10 @@
   <p:clrMapOvr>
     <a:masterClrMapping/>
   </p:clrMapOvr>
-  <p:timing>
-    <p:tnLst>
-      <p:par>
-        <p:cTn id="1" dur="indefinite" restart="never" nodeType="tmRoot"/>
-      </p:par>
-    </p:tnLst>
-  </p:timing>
 </p:sld>
 </file>
 
-<file path=ppt/slides/slide16.xml><?xml version="1.0" encoding="utf-8"?>
+<file path=ppt/slides/slide17.xml><?xml version="1.0" encoding="utf-8"?>
 <p:sld xmlns:a="http://schemas.openxmlformats.org/drawingml/2006/main" xmlns:r="http://schemas.openxmlformats.org/officeDocument/2006/relationships" xmlns:p="http://schemas.openxmlformats.org/presentationml/2006/main">
   <p:cSld>
     <p:spTree>
@@ -3337,10 +3612,9 @@
           <a:lstStyle/>
           <a:p>
             <a:r>
-              <a:rPr lang="de-DE" dirty="0" smtClean="0"/>
+              <a:rPr lang="de-DE" dirty="0"/>
               <a:t>Create Table Beispiel</a:t>
             </a:r>
-            <a:endParaRPr lang="de-DE" dirty="0"/>
           </a:p>
         </p:txBody>
       </p:sp>
@@ -3367,7 +3641,7 @@
           <a:lstStyle/>
           <a:p>
             <a:r>
-              <a:rPr lang="de-DE" sz="800" dirty="0" smtClean="0">
+              <a:rPr lang="de-DE" sz="800" dirty="0">
                 <a:solidFill>
                   <a:schemeClr val="tx1">
                     <a:lumMod val="50000"/>
@@ -3377,14 +3651,6 @@
               </a:rPr>
               <a:t>Quellen:  </a:t>
             </a:r>
-            <a:endParaRPr lang="de-DE" sz="800" dirty="0">
-              <a:solidFill>
-                <a:schemeClr val="tx1">
-                  <a:lumMod val="50000"/>
-                  <a:lumOff val="50000"/>
-                </a:schemeClr>
-              </a:solidFill>
-            </a:endParaRPr>
           </a:p>
         </p:txBody>
       </p:sp>
@@ -3638,7 +3904,7 @@
               <a:tabLst/>
             </a:pPr>
             <a:r>
-              <a:rPr kumimoji="0" lang="de-DE" altLang="de-DE" sz="1000" b="0" i="0" u="none" strike="noStrike" cap="none" normalizeH="0" baseline="0" smtClean="0">
+              <a:rPr kumimoji="0" lang="de-DE" altLang="de-DE" sz="1000" b="0" i="0" u="none" strike="noStrike" cap="none" normalizeH="0" baseline="0">
                 <a:ln>
                   <a:noFill/>
                 </a:ln>
@@ -3652,7 +3918,7 @@
               <a:t>integer</a:t>
             </a:r>
             <a:r>
-              <a:rPr kumimoji="0" lang="de-DE" altLang="de-DE" sz="600" b="0" i="0" u="none" strike="noStrike" cap="none" normalizeH="0" baseline="0" smtClean="0">
+              <a:rPr kumimoji="0" lang="de-DE" altLang="de-DE" sz="600" b="0" i="0" u="none" strike="noStrike" cap="none" normalizeH="0" baseline="0">
                 <a:ln>
                   <a:noFill/>
                 </a:ln>
@@ -3663,7 +3929,7 @@
               </a:rPr>
               <a:t> </a:t>
             </a:r>
-            <a:endParaRPr kumimoji="0" lang="de-DE" altLang="de-DE" sz="1800" b="0" i="0" u="none" strike="noStrike" cap="none" normalizeH="0" baseline="0" smtClean="0">
+            <a:endParaRPr kumimoji="0" lang="de-DE" altLang="de-DE" sz="1800" b="0" i="0" u="none" strike="noStrike" cap="none" normalizeH="0" baseline="0">
               <a:ln>
                 <a:noFill/>
               </a:ln>
@@ -3686,17 +3952,10 @@
   <p:clrMapOvr>
     <a:masterClrMapping/>
   </p:clrMapOvr>
-  <p:timing>
-    <p:tnLst>
-      <p:par>
-        <p:cTn id="1" dur="indefinite" restart="never" nodeType="tmRoot"/>
-      </p:par>
-    </p:tnLst>
-  </p:timing>
 </p:sld>
 </file>
 
-<file path=ppt/slides/slide17.xml><?xml version="1.0" encoding="utf-8"?>
+<file path=ppt/slides/slide18.xml><?xml version="1.0" encoding="utf-8"?>
 <p:sld xmlns:a="http://schemas.openxmlformats.org/drawingml/2006/main" xmlns:r="http://schemas.openxmlformats.org/officeDocument/2006/relationships" xmlns:p="http://schemas.openxmlformats.org/presentationml/2006/main">
   <p:cSld>
     <p:spTree>
@@ -3729,10 +3988,9 @@
           <a:lstStyle/>
           <a:p>
             <a:r>
-              <a:rPr lang="de-DE" dirty="0" smtClean="0"/>
+              <a:rPr lang="de-DE" dirty="0"/>
               <a:t>Import</a:t>
             </a:r>
-            <a:endParaRPr lang="de-DE" dirty="0"/>
           </a:p>
         </p:txBody>
       </p:sp>
@@ -3759,7 +4017,7 @@
           <a:lstStyle/>
           <a:p>
             <a:r>
-              <a:rPr lang="de-DE" sz="800" dirty="0" smtClean="0">
+              <a:rPr lang="de-DE" sz="800" dirty="0">
                 <a:solidFill>
                   <a:schemeClr val="tx1">
                     <a:lumMod val="50000"/>
@@ -3769,14 +4027,6 @@
               </a:rPr>
               <a:t>Quellen:  </a:t>
             </a:r>
-            <a:endParaRPr lang="de-DE" sz="800" dirty="0">
-              <a:solidFill>
-                <a:schemeClr val="tx1">
-                  <a:lumMod val="50000"/>
-                  <a:lumOff val="50000"/>
-                </a:schemeClr>
-              </a:solidFill>
-            </a:endParaRPr>
           </a:p>
         </p:txBody>
       </p:sp>
@@ -3819,17 +4069,10 @@
   <p:clrMapOvr>
     <a:masterClrMapping/>
   </p:clrMapOvr>
-  <p:timing>
-    <p:tnLst>
-      <p:par>
-        <p:cTn id="1" dur="indefinite" restart="never" nodeType="tmRoot"/>
-      </p:par>
-    </p:tnLst>
-  </p:timing>
 </p:sld>
 </file>
 
-<file path=ppt/slides/slide18.xml><?xml version="1.0" encoding="utf-8"?>
+<file path=ppt/slides/slide19.xml><?xml version="1.0" encoding="utf-8"?>
 <p:sld xmlns:a="http://schemas.openxmlformats.org/drawingml/2006/main" xmlns:r="http://schemas.openxmlformats.org/officeDocument/2006/relationships" xmlns:p="http://schemas.openxmlformats.org/presentationml/2006/main">
   <p:cSld>
     <p:spTree>
@@ -3862,10 +4105,9 @@
           <a:lstStyle/>
           <a:p>
             <a:r>
-              <a:rPr lang="de-DE" dirty="0" smtClean="0"/>
+              <a:rPr lang="de-DE" dirty="0"/>
               <a:t>Import</a:t>
             </a:r>
-            <a:endParaRPr lang="de-DE" dirty="0"/>
           </a:p>
         </p:txBody>
       </p:sp>
@@ -3892,7 +4134,7 @@
           <a:lstStyle/>
           <a:p>
             <a:r>
-              <a:rPr lang="de-DE" sz="800" dirty="0" smtClean="0">
+              <a:rPr lang="de-DE" sz="800" dirty="0">
                 <a:solidFill>
                   <a:schemeClr val="tx1">
                     <a:lumMod val="50000"/>
@@ -3902,14 +4144,6 @@
               </a:rPr>
               <a:t>Quellen:  </a:t>
             </a:r>
-            <a:endParaRPr lang="de-DE" sz="800" dirty="0">
-              <a:solidFill>
-                <a:schemeClr val="tx1">
-                  <a:lumMod val="50000"/>
-                  <a:lumOff val="50000"/>
-                </a:schemeClr>
-              </a:solidFill>
-            </a:endParaRPr>
           </a:p>
         </p:txBody>
       </p:sp>
@@ -3952,149 +4186,6 @@
   <p:clrMapOvr>
     <a:masterClrMapping/>
   </p:clrMapOvr>
-  <p:timing>
-    <p:tnLst>
-      <p:par>
-        <p:cTn id="1" dur="indefinite" restart="never" nodeType="tmRoot"/>
-      </p:par>
-    </p:tnLst>
-  </p:timing>
-</p:sld>
-</file>
-
-<file path=ppt/slides/slide19.xml><?xml version="1.0" encoding="utf-8"?>
-<p:sld xmlns:a="http://schemas.openxmlformats.org/drawingml/2006/main" xmlns:r="http://schemas.openxmlformats.org/officeDocument/2006/relationships" xmlns:p="http://schemas.openxmlformats.org/presentationml/2006/main">
-  <p:cSld>
-    <p:spTree>
-      <p:nvGrpSpPr>
-        <p:cNvPr id="1" name=""/>
-        <p:cNvGrpSpPr/>
-        <p:nvPr/>
-      </p:nvGrpSpPr>
-      <p:grpSpPr>
-        <a:xfrm>
-          <a:off x="0" y="0"/>
-          <a:ext cx="0" cy="0"/>
-          <a:chOff x="0" y="0"/>
-          <a:chExt cx="0" cy="0"/>
-        </a:xfrm>
-      </p:grpSpPr>
-      <p:sp>
-        <p:nvSpPr>
-          <p:cNvPr id="3" name="Titel 2"/>
-          <p:cNvSpPr>
-            <a:spLocks noGrp="1"/>
-          </p:cNvSpPr>
-          <p:nvPr>
-            <p:ph type="title"/>
-          </p:nvPr>
-        </p:nvSpPr>
-        <p:spPr/>
-        <p:txBody>
-          <a:bodyPr/>
-          <a:lstStyle/>
-          <a:p>
-            <a:r>
-              <a:rPr lang="de-DE" dirty="0" smtClean="0"/>
-              <a:t>Import</a:t>
-            </a:r>
-            <a:endParaRPr lang="de-DE" dirty="0"/>
-          </a:p>
-        </p:txBody>
-      </p:sp>
-      <p:sp>
-        <p:nvSpPr>
-          <p:cNvPr id="4" name="Textfeld 3"/>
-          <p:cNvSpPr txBox="1"/>
-          <p:nvPr/>
-        </p:nvSpPr>
-        <p:spPr>
-          <a:xfrm>
-            <a:off x="432000" y="6309320"/>
-            <a:ext cx="627095" cy="215444"/>
-          </a:xfrm>
-          <a:prstGeom prst="rect">
-            <a:avLst/>
-          </a:prstGeom>
-          <a:noFill/>
-        </p:spPr>
-        <p:txBody>
-          <a:bodyPr wrap="none" rtlCol="0">
-            <a:spAutoFit/>
-          </a:bodyPr>
-          <a:lstStyle/>
-          <a:p>
-            <a:r>
-              <a:rPr lang="de-DE" sz="800" dirty="0" smtClean="0">
-                <a:solidFill>
-                  <a:schemeClr val="tx1">
-                    <a:lumMod val="50000"/>
-                    <a:lumOff val="50000"/>
-                  </a:schemeClr>
-                </a:solidFill>
-              </a:rPr>
-              <a:t>Quellen:  </a:t>
-            </a:r>
-            <a:endParaRPr lang="de-DE" sz="800" dirty="0">
-              <a:solidFill>
-                <a:schemeClr val="tx1">
-                  <a:lumMod val="50000"/>
-                  <a:lumOff val="50000"/>
-                </a:schemeClr>
-              </a:solidFill>
-            </a:endParaRPr>
-          </a:p>
-        </p:txBody>
-      </p:sp>
-      <p:sp>
-        <p:nvSpPr>
-          <p:cNvPr id="2" name="Inhaltsplatzhalter 1"/>
-          <p:cNvSpPr>
-            <a:spLocks noGrp="1"/>
-          </p:cNvSpPr>
-          <p:nvPr>
-            <p:ph idx="1"/>
-          </p:nvPr>
-        </p:nvSpPr>
-        <p:spPr/>
-        <p:txBody>
-          <a:bodyPr/>
-          <a:lstStyle/>
-          <a:p>
-            <a:r>
-              <a:rPr lang="de-DE" dirty="0" smtClean="0"/>
-              <a:t>Für Vergleich:</a:t>
-            </a:r>
-          </a:p>
-          <a:p>
-            <a:r>
-              <a:rPr lang="de-DE" dirty="0"/>
-              <a:t>http://www.datenbanken-verstehen.de/lexikon/sap-hana/</a:t>
-            </a:r>
-            <a:endParaRPr lang="de-DE" dirty="0" smtClean="0"/>
-          </a:p>
-          <a:p>
-            <a:endParaRPr lang="de-DE" dirty="0"/>
-          </a:p>
-        </p:txBody>
-      </p:sp>
-    </p:spTree>
-    <p:extLst>
-      <p:ext uri="{BB962C8B-B14F-4D97-AF65-F5344CB8AC3E}">
-        <p14:creationId xmlns:p14="http://schemas.microsoft.com/office/powerpoint/2010/main" val="667462234"/>
-      </p:ext>
-    </p:extLst>
-  </p:cSld>
-  <p:clrMapOvr>
-    <a:masterClrMapping/>
-  </p:clrMapOvr>
-  <p:timing>
-    <p:tnLst>
-      <p:par>
-        <p:cTn id="1" dur="indefinite" restart="never" nodeType="tmRoot"/>
-      </p:par>
-    </p:tnLst>
-  </p:timing>
 </p:sld>
 </file>
 
@@ -4204,17 +4295,6 @@
           <a:lstStyle/>
           <a:p>
             <a:r>
-              <a:rPr lang="de-DE" sz="800" dirty="0" smtClean="0">
-                <a:solidFill>
-                  <a:schemeClr val="tx1">
-                    <a:lumMod val="50000"/>
-                    <a:lumOff val="50000"/>
-                  </a:schemeClr>
-                </a:solidFill>
-              </a:rPr>
-              <a:t>Quellen: </a:t>
-            </a:r>
-            <a:r>
               <a:rPr lang="de-DE" sz="800" dirty="0">
                 <a:solidFill>
                   <a:schemeClr val="tx1">
@@ -4223,12 +4303,12 @@
                   </a:schemeClr>
                 </a:solidFill>
               </a:rPr>
-              <a:t>https://www.oth-regensburg.de/fileadmin/media/fakultaeten/im/forschung-projekte/ccse/pdf/SAP_HANA_AKWI_2014_v6.pdf</a:t>
-            </a:r>
-          </a:p>
-          <a:p>
-            <a:r>
-              <a:rPr lang="de-DE" sz="800" dirty="0" smtClean="0">
+              <a:t>Quellen: https://www.oth-regensburg.de/fileadmin/media/fakultaeten/im/forschung-projekte/ccse/pdf/SAP_HANA_AKWI_2014_v6.pdf</a:t>
+            </a:r>
+          </a:p>
+          <a:p>
+            <a:r>
+              <a:rPr lang="de-DE" sz="800" dirty="0">
                 <a:solidFill>
                   <a:schemeClr val="tx1">
                     <a:lumMod val="50000"/>
@@ -4238,14 +4318,6 @@
               </a:rPr>
               <a:t>  </a:t>
             </a:r>
-            <a:endParaRPr lang="de-DE" sz="800" dirty="0">
-              <a:solidFill>
-                <a:schemeClr val="tx1">
-                  <a:lumMod val="50000"/>
-                  <a:lumOff val="50000"/>
-                </a:schemeClr>
-              </a:solidFill>
-            </a:endParaRPr>
           </a:p>
         </p:txBody>
       </p:sp>
@@ -4259,13 +4331,6 @@
   <p:clrMapOvr>
     <a:masterClrMapping/>
   </p:clrMapOvr>
-  <p:timing>
-    <p:tnLst>
-      <p:par>
-        <p:cTn id="1" dur="indefinite" restart="never" nodeType="tmRoot"/>
-      </p:par>
-    </p:tnLst>
-  </p:timing>
 </p:sld>
 </file>
 
@@ -4288,6 +4353,64 @@
       </p:grpSpPr>
       <p:sp>
         <p:nvSpPr>
+          <p:cNvPr id="3" name="Titel 2"/>
+          <p:cNvSpPr>
+            <a:spLocks noGrp="1"/>
+          </p:cNvSpPr>
+          <p:nvPr>
+            <p:ph type="title"/>
+          </p:nvPr>
+        </p:nvSpPr>
+        <p:spPr/>
+        <p:txBody>
+          <a:bodyPr/>
+          <a:lstStyle/>
+          <a:p>
+            <a:r>
+              <a:rPr lang="de-DE" dirty="0"/>
+              <a:t>Import</a:t>
+            </a:r>
+          </a:p>
+        </p:txBody>
+      </p:sp>
+      <p:sp>
+        <p:nvSpPr>
+          <p:cNvPr id="4" name="Textfeld 3"/>
+          <p:cNvSpPr txBox="1"/>
+          <p:nvPr/>
+        </p:nvSpPr>
+        <p:spPr>
+          <a:xfrm>
+            <a:off x="432000" y="6309320"/>
+            <a:ext cx="627095" cy="215444"/>
+          </a:xfrm>
+          <a:prstGeom prst="rect">
+            <a:avLst/>
+          </a:prstGeom>
+          <a:noFill/>
+        </p:spPr>
+        <p:txBody>
+          <a:bodyPr wrap="none" rtlCol="0">
+            <a:spAutoFit/>
+          </a:bodyPr>
+          <a:lstStyle/>
+          <a:p>
+            <a:r>
+              <a:rPr lang="de-DE" sz="800" dirty="0">
+                <a:solidFill>
+                  <a:schemeClr val="tx1">
+                    <a:lumMod val="50000"/>
+                    <a:lumOff val="50000"/>
+                  </a:schemeClr>
+                </a:solidFill>
+              </a:rPr>
+              <a:t>Quellen:  </a:t>
+            </a:r>
+          </a:p>
+        </p:txBody>
+      </p:sp>
+      <p:sp>
+        <p:nvSpPr>
           <p:cNvPr id="2" name="Inhaltsplatzhalter 1"/>
           <p:cNvSpPr>
             <a:spLocks noGrp="1"/>
@@ -4301,6 +4424,67 @@
           <a:bodyPr/>
           <a:lstStyle/>
           <a:p>
+            <a:r>
+              <a:rPr lang="de-DE" dirty="0"/>
+              <a:t>Für Vergleich:</a:t>
+            </a:r>
+          </a:p>
+          <a:p>
+            <a:r>
+              <a:rPr lang="de-DE" dirty="0"/>
+              <a:t>http://www.datenbanken-verstehen.de/lexikon/sap-hana/</a:t>
+            </a:r>
+          </a:p>
+          <a:p>
+            <a:endParaRPr lang="de-DE" dirty="0"/>
+          </a:p>
+        </p:txBody>
+      </p:sp>
+    </p:spTree>
+    <p:extLst>
+      <p:ext uri="{BB962C8B-B14F-4D97-AF65-F5344CB8AC3E}">
+        <p14:creationId xmlns:p14="http://schemas.microsoft.com/office/powerpoint/2010/main" val="667462234"/>
+      </p:ext>
+    </p:extLst>
+  </p:cSld>
+  <p:clrMapOvr>
+    <a:masterClrMapping/>
+  </p:clrMapOvr>
+</p:sld>
+</file>
+
+<file path=ppt/slides/slide21.xml><?xml version="1.0" encoding="utf-8"?>
+<p:sld xmlns:a="http://schemas.openxmlformats.org/drawingml/2006/main" xmlns:r="http://schemas.openxmlformats.org/officeDocument/2006/relationships" xmlns:p="http://schemas.openxmlformats.org/presentationml/2006/main">
+  <p:cSld>
+    <p:spTree>
+      <p:nvGrpSpPr>
+        <p:cNvPr id="1" name=""/>
+        <p:cNvGrpSpPr/>
+        <p:nvPr/>
+      </p:nvGrpSpPr>
+      <p:grpSpPr>
+        <a:xfrm>
+          <a:off x="0" y="0"/>
+          <a:ext cx="0" cy="0"/>
+          <a:chOff x="0" y="0"/>
+          <a:chExt cx="0" cy="0"/>
+        </a:xfrm>
+      </p:grpSpPr>
+      <p:sp>
+        <p:nvSpPr>
+          <p:cNvPr id="2" name="Inhaltsplatzhalter 1"/>
+          <p:cNvSpPr>
+            <a:spLocks noGrp="1"/>
+          </p:cNvSpPr>
+          <p:nvPr>
+            <p:ph idx="1"/>
+          </p:nvPr>
+        </p:nvSpPr>
+        <p:spPr/>
+        <p:txBody>
+          <a:bodyPr/>
+          <a:lstStyle/>
+          <a:p>
             <a:pPr marL="457200" indent="-457200">
               <a:buFont typeface="+mj-lt"/>
               <a:buAutoNum type="arabicPeriod"/>
@@ -4309,15 +4493,9 @@
               <a:rPr lang="de-DE" dirty="0">
                 <a:hlinkClick r:id="rId2"/>
               </a:rPr>
-              <a:t>https://</a:t>
-            </a:r>
-            <a:r>
-              <a:rPr lang="de-DE" dirty="0" smtClean="0">
-                <a:hlinkClick r:id="rId2"/>
-              </a:rPr>
-              <a:t>www.oth-regensburg.de/fileadmin/media/fakultaeten/im/forschung-projekte/ccse/pdf/SAP_HANA_AKWI_2014_v6.pdf</a:t>
-            </a:r>
-            <a:endParaRPr lang="de-DE" dirty="0" smtClean="0"/>
+              <a:t>https://www.oth-regensburg.de/fileadmin/media/fakultaeten/im/forschung-projekte/ccse/pdf/SAP_HANA_AKWI_2014_v6.pdf</a:t>
+            </a:r>
+            <a:endParaRPr lang="de-DE" dirty="0"/>
           </a:p>
           <a:p>
             <a:pPr marL="457200" indent="-457200">
@@ -4328,15 +4506,9 @@
               <a:rPr lang="de-DE" dirty="0">
                 <a:hlinkClick r:id="rId3"/>
               </a:rPr>
-              <a:t>https://</a:t>
-            </a:r>
-            <a:r>
-              <a:rPr lang="de-DE" dirty="0" smtClean="0">
-                <a:hlinkClick r:id="rId3"/>
-              </a:rPr>
-              <a:t>www.stechies.com/userfiles/images/dictionaryCompression.JPG</a:t>
-            </a:r>
-            <a:endParaRPr lang="de-DE" dirty="0" smtClean="0"/>
+              <a:t>https://www.stechies.com/userfiles/images/dictionaryCompression.JPG</a:t>
+            </a:r>
+            <a:endParaRPr lang="de-DE" dirty="0"/>
           </a:p>
           <a:p>
             <a:pPr marL="457200" indent="-457200">
@@ -4347,15 +4519,9 @@
               <a:rPr lang="de-DE" dirty="0">
                 <a:hlinkClick r:id="rId4"/>
               </a:rPr>
-              <a:t>https://</a:t>
-            </a:r>
-            <a:r>
-              <a:rPr lang="de-DE" dirty="0" smtClean="0">
-                <a:hlinkClick r:id="rId4"/>
-              </a:rPr>
-              <a:t>www.syslinkams.com/de/blog/hana-hochverfuegbarkeit-durch-system-replikation</a:t>
-            </a:r>
-            <a:endParaRPr lang="de-DE" dirty="0" smtClean="0"/>
+              <a:t>https://www.syslinkams.com/de/blog/hana-hochverfuegbarkeit-durch-system-replikation</a:t>
+            </a:r>
+            <a:endParaRPr lang="de-DE" dirty="0"/>
           </a:p>
           <a:p>
             <a:pPr marL="457200" indent="-457200">
@@ -4364,38 +4530,30 @@
             </a:pPr>
             <a:r>
               <a:rPr lang="de-DE"/>
-              <a:t>https</a:t>
-            </a:r>
-            <a:r>
-              <a:rPr lang="de-DE"/>
-              <a:t>://</a:t>
-            </a:r>
-            <a:r>
-              <a:rPr lang="de-DE" smtClean="0"/>
-              <a:t>www.sap.com/developer/tutorials/dt-create-schema-load-data-part3.html</a:t>
-            </a:r>
-            <a:endParaRPr lang="de-DE" dirty="0" smtClean="0"/>
+              <a:t>https://www.sap.com/developer/tutorials/dt-create-schema-load-data-part3.html</a:t>
+            </a:r>
+            <a:endParaRPr lang="de-DE" dirty="0"/>
           </a:p>
           <a:p>
             <a:pPr marL="457200" indent="-457200">
               <a:buFont typeface="+mj-lt"/>
               <a:buAutoNum type="arabicPeriod"/>
             </a:pPr>
-            <a:endParaRPr lang="de-DE" dirty="0" smtClean="0"/>
+            <a:endParaRPr lang="de-DE" dirty="0"/>
           </a:p>
           <a:p>
             <a:pPr marL="457200" indent="-457200">
               <a:buFont typeface="+mj-lt"/>
               <a:buAutoNum type="arabicPeriod"/>
             </a:pPr>
-            <a:endParaRPr lang="de-DE" dirty="0" smtClean="0"/>
+            <a:endParaRPr lang="de-DE" dirty="0"/>
           </a:p>
           <a:p>
             <a:pPr marL="457200" indent="-457200">
               <a:buFont typeface="+mj-lt"/>
               <a:buAutoNum type="arabicPeriod"/>
             </a:pPr>
-            <a:endParaRPr lang="de-DE" dirty="0" smtClean="0"/>
+            <a:endParaRPr lang="de-DE" dirty="0"/>
           </a:p>
           <a:p>
             <a:pPr marL="457200" indent="-457200">
@@ -4422,10 +4580,9 @@
           <a:lstStyle/>
           <a:p>
             <a:r>
-              <a:rPr lang="de-DE" dirty="0" smtClean="0"/>
+              <a:rPr lang="de-DE" dirty="0"/>
               <a:t>Quellen</a:t>
             </a:r>
-            <a:endParaRPr lang="de-DE" dirty="0"/>
           </a:p>
         </p:txBody>
       </p:sp>
@@ -4439,13 +4596,6 @@
   <p:clrMapOvr>
     <a:masterClrMapping/>
   </p:clrMapOvr>
-  <p:timing>
-    <p:tnLst>
-      <p:par>
-        <p:cTn id="1" dur="indefinite" restart="never" nodeType="tmRoot"/>
-      </p:par>
-    </p:tnLst>
-  </p:timing>
 </p:sld>
 </file>
 
@@ -4482,25 +4632,25 @@
           <a:lstStyle/>
           <a:p>
             <a:r>
-              <a:rPr lang="de-DE" dirty="0" smtClean="0"/>
+              <a:rPr lang="de-DE" dirty="0"/>
               <a:t>Spaltenorientierte Speicherung</a:t>
             </a:r>
           </a:p>
           <a:p>
             <a:r>
-              <a:rPr lang="de-DE" dirty="0" err="1" smtClean="0"/>
+              <a:rPr lang="de-DE" dirty="0" err="1"/>
               <a:t>Dictionary</a:t>
             </a:r>
             <a:r>
-              <a:rPr lang="de-DE" dirty="0" smtClean="0"/>
+              <a:rPr lang="de-DE" dirty="0"/>
               <a:t>-Komprimierung (light-</a:t>
             </a:r>
             <a:r>
-              <a:rPr lang="de-DE" dirty="0" err="1" smtClean="0"/>
+              <a:rPr lang="de-DE" dirty="0" err="1"/>
               <a:t>weight</a:t>
             </a:r>
             <a:r>
-              <a:rPr lang="de-DE" dirty="0" smtClean="0"/>
+              <a:rPr lang="de-DE" dirty="0"/>
               <a:t>)</a:t>
             </a:r>
           </a:p>
@@ -4509,7 +4659,7 @@
               <a:buFont typeface="Wingdings" panose="05000000000000000000" pitchFamily="2" charset="2"/>
               <a:buChar char="Ø"/>
             </a:pPr>
-            <a:endParaRPr lang="de-DE" dirty="0" smtClean="0"/>
+            <a:endParaRPr lang="de-DE" dirty="0"/>
           </a:p>
           <a:p>
             <a:endParaRPr lang="de-DE" dirty="0"/>
@@ -4532,10 +4682,9 @@
           <a:lstStyle/>
           <a:p>
             <a:r>
-              <a:rPr lang="de-DE" dirty="0" smtClean="0"/>
+              <a:rPr lang="de-DE" dirty="0"/>
               <a:t>Komprimierung</a:t>
             </a:r>
-            <a:endParaRPr lang="de-DE" dirty="0"/>
           </a:p>
         </p:txBody>
       </p:sp>
@@ -4562,7 +4711,7 @@
           <a:lstStyle/>
           <a:p>
             <a:r>
-              <a:rPr lang="de-DE" sz="800" dirty="0" smtClean="0">
+              <a:rPr lang="de-DE" sz="800" dirty="0">
                 <a:solidFill>
                   <a:schemeClr val="tx1">
                     <a:lumMod val="50000"/>
@@ -4572,14 +4721,6 @@
               </a:rPr>
               <a:t>Quellen: 1,2  </a:t>
             </a:r>
-            <a:endParaRPr lang="de-DE" sz="800" dirty="0">
-              <a:solidFill>
-                <a:schemeClr val="tx1">
-                  <a:lumMod val="50000"/>
-                  <a:lumOff val="50000"/>
-                </a:schemeClr>
-              </a:solidFill>
-            </a:endParaRPr>
           </a:p>
         </p:txBody>
       </p:sp>
@@ -4634,13 +4775,6 @@
   <p:clrMapOvr>
     <a:masterClrMapping/>
   </p:clrMapOvr>
-  <p:timing>
-    <p:tnLst>
-      <p:par>
-        <p:cTn id="1" dur="indefinite" restart="never" nodeType="tmRoot"/>
-      </p:par>
-    </p:tnLst>
-  </p:timing>
 </p:sld>
 </file>
 
@@ -4677,22 +4811,91 @@
           <a:lstStyle/>
           <a:p>
             <a:r>
-              <a:rPr lang="de-DE" dirty="0" smtClean="0"/>
-              <a:t>Unterteilt Arbeitsschritte um parallel daran zu arbeiten</a:t>
-            </a:r>
-          </a:p>
-          <a:p>
-            <a:r>
-              <a:rPr lang="de-DE" dirty="0" smtClean="0"/>
-              <a:t>Verteilt die Daten auf mehrere Serverblades um Lesezugriff zu ermöglichen</a:t>
-            </a:r>
-          </a:p>
-          <a:p>
-            <a:r>
-              <a:rPr lang="de-DE" dirty="0" smtClean="0"/>
-              <a:t>Erhöht die Ausfallsicherheit durch Standby Blades</a:t>
-            </a:r>
-            <a:endParaRPr lang="de-DE" dirty="0" smtClean="0"/>
+              <a:rPr lang="de-DE" dirty="0"/>
+              <a:t>Weitere Verfahren benötigt Aufgrund der Größe von heutigen Datenbanken</a:t>
+            </a:r>
+          </a:p>
+          <a:p>
+            <a:r>
+              <a:rPr lang="de-DE" dirty="0"/>
+              <a:t>5 Verfahren: </a:t>
+            </a:r>
+          </a:p>
+          <a:p>
+            <a:pPr lvl="1"/>
+            <a:r>
+              <a:rPr lang="de-DE" dirty="0" err="1"/>
+              <a:t>Prefix</a:t>
+            </a:r>
+            <a:r>
+              <a:rPr lang="de-DE" dirty="0"/>
+              <a:t> Encoding </a:t>
+            </a:r>
+          </a:p>
+          <a:p>
+            <a:pPr lvl="1"/>
+            <a:r>
+              <a:rPr lang="de-DE" dirty="0"/>
+              <a:t>Run </a:t>
+            </a:r>
+            <a:r>
+              <a:rPr lang="de-DE" dirty="0" err="1"/>
+              <a:t>Length</a:t>
+            </a:r>
+            <a:r>
+              <a:rPr lang="de-DE" dirty="0"/>
+              <a:t> Encoding</a:t>
+            </a:r>
+          </a:p>
+          <a:p>
+            <a:pPr lvl="1"/>
+            <a:r>
+              <a:rPr lang="de-DE" dirty="0"/>
+              <a:t>Cluster Encoding</a:t>
+            </a:r>
+          </a:p>
+          <a:p>
+            <a:pPr lvl="1"/>
+            <a:r>
+              <a:rPr lang="de-DE" dirty="0" err="1"/>
+              <a:t>Indirect</a:t>
+            </a:r>
+            <a:r>
+              <a:rPr lang="de-DE" dirty="0"/>
+              <a:t> Encoding</a:t>
+            </a:r>
+          </a:p>
+          <a:p>
+            <a:pPr lvl="1"/>
+            <a:r>
+              <a:rPr lang="de-DE" dirty="0"/>
+              <a:t>Delta Encoding</a:t>
+            </a:r>
+          </a:p>
+          <a:p>
+            <a:r>
+              <a:rPr lang="de-DE" dirty="0"/>
+              <a:t>Grenzen: </a:t>
+            </a:r>
+          </a:p>
+          <a:p>
+            <a:pPr lvl="1"/>
+            <a:r>
+              <a:rPr lang="de-DE" dirty="0"/>
+              <a:t>Verfahren benötigen Sortierung, die pro Tabelle nur nach einer Spalte geht</a:t>
+            </a:r>
+          </a:p>
+          <a:p>
+            <a:pPr lvl="1"/>
+            <a:r>
+              <a:rPr lang="de-DE" dirty="0"/>
+              <a:t>Teilweise kein </a:t>
+            </a:r>
+            <a:r>
+              <a:rPr lang="de-DE"/>
+              <a:t>direkter Zugriff </a:t>
+            </a:r>
+            <a:endParaRPr lang="de-DE" dirty="0"/>
           </a:p>
         </p:txBody>
       </p:sp>
@@ -4712,10 +4915,131 @@
           <a:lstStyle/>
           <a:p>
             <a:r>
-              <a:rPr lang="de-DE" dirty="0" smtClean="0"/>
+              <a:rPr lang="de-DE" dirty="0"/>
+              <a:t>Komprimierung</a:t>
+            </a:r>
+          </a:p>
+        </p:txBody>
+      </p:sp>
+      <p:sp>
+        <p:nvSpPr>
+          <p:cNvPr id="5" name="Textfeld 4"/>
+          <p:cNvSpPr txBox="1"/>
+          <p:nvPr/>
+        </p:nvSpPr>
+        <p:spPr>
+          <a:xfrm>
+            <a:off x="432000" y="6309320"/>
+            <a:ext cx="800219" cy="215444"/>
+          </a:xfrm>
+          <a:prstGeom prst="rect">
+            <a:avLst/>
+          </a:prstGeom>
+          <a:noFill/>
+        </p:spPr>
+        <p:txBody>
+          <a:bodyPr wrap="none" rtlCol="0">
+            <a:spAutoFit/>
+          </a:bodyPr>
+          <a:lstStyle/>
+          <a:p>
+            <a:r>
+              <a:rPr lang="de-DE" sz="800" dirty="0">
+                <a:solidFill>
+                  <a:schemeClr val="tx1">
+                    <a:lumMod val="50000"/>
+                    <a:lumOff val="50000"/>
+                  </a:schemeClr>
+                </a:solidFill>
+              </a:rPr>
+              <a:t>Quellen: 1,2  </a:t>
+            </a:r>
+          </a:p>
+        </p:txBody>
+      </p:sp>
+    </p:spTree>
+    <p:extLst>
+      <p:ext uri="{BB962C8B-B14F-4D97-AF65-F5344CB8AC3E}">
+        <p14:creationId xmlns:p14="http://schemas.microsoft.com/office/powerpoint/2010/main" val="1319687565"/>
+      </p:ext>
+    </p:extLst>
+  </p:cSld>
+  <p:clrMapOvr>
+    <a:masterClrMapping/>
+  </p:clrMapOvr>
+</p:sld>
+</file>
+
+<file path=ppt/slides/slide5.xml><?xml version="1.0" encoding="utf-8"?>
+<p:sld xmlns:a="http://schemas.openxmlformats.org/drawingml/2006/main" xmlns:r="http://schemas.openxmlformats.org/officeDocument/2006/relationships" xmlns:p="http://schemas.openxmlformats.org/presentationml/2006/main">
+  <p:cSld>
+    <p:spTree>
+      <p:nvGrpSpPr>
+        <p:cNvPr id="1" name=""/>
+        <p:cNvGrpSpPr/>
+        <p:nvPr/>
+      </p:nvGrpSpPr>
+      <p:grpSpPr>
+        <a:xfrm>
+          <a:off x="0" y="0"/>
+          <a:ext cx="0" cy="0"/>
+          <a:chOff x="0" y="0"/>
+          <a:chExt cx="0" cy="0"/>
+        </a:xfrm>
+      </p:grpSpPr>
+      <p:sp>
+        <p:nvSpPr>
+          <p:cNvPr id="2" name="Inhaltsplatzhalter 1"/>
+          <p:cNvSpPr>
+            <a:spLocks noGrp="1"/>
+          </p:cNvSpPr>
+          <p:nvPr>
+            <p:ph idx="1"/>
+          </p:nvPr>
+        </p:nvSpPr>
+        <p:spPr/>
+        <p:txBody>
+          <a:bodyPr/>
+          <a:lstStyle/>
+          <a:p>
+            <a:r>
+              <a:rPr lang="de-DE" dirty="0"/>
+              <a:t>Unterteilt Arbeitsschritte um parallel daran zu arbeiten</a:t>
+            </a:r>
+          </a:p>
+          <a:p>
+            <a:r>
+              <a:rPr lang="de-DE" dirty="0"/>
+              <a:t>Verteilt die Daten auf mehrere Serverblades um Lesezugriff zu ermöglichen</a:t>
+            </a:r>
+          </a:p>
+          <a:p>
+            <a:r>
+              <a:rPr lang="de-DE" dirty="0"/>
+              <a:t>Erhöht die Ausfallsicherheit durch Standby Blades</a:t>
+            </a:r>
+          </a:p>
+        </p:txBody>
+      </p:sp>
+      <p:sp>
+        <p:nvSpPr>
+          <p:cNvPr id="3" name="Titel 2"/>
+          <p:cNvSpPr>
+            <a:spLocks noGrp="1"/>
+          </p:cNvSpPr>
+          <p:nvPr>
+            <p:ph type="title"/>
+          </p:nvPr>
+        </p:nvSpPr>
+        <p:spPr/>
+        <p:txBody>
+          <a:bodyPr/>
+          <a:lstStyle/>
+          <a:p>
+            <a:r>
+              <a:rPr lang="de-DE" dirty="0"/>
               <a:t>Parallele Verarbeitung</a:t>
             </a:r>
-            <a:endParaRPr lang="de-DE" dirty="0"/>
           </a:p>
         </p:txBody>
       </p:sp>
@@ -4742,7 +5066,7 @@
           <a:lstStyle/>
           <a:p>
             <a:r>
-              <a:rPr lang="de-DE" sz="800" dirty="0" smtClean="0">
+              <a:rPr lang="de-DE" sz="800" dirty="0">
                 <a:solidFill>
                   <a:schemeClr val="tx1">
                     <a:lumMod val="50000"/>
@@ -4752,14 +5076,6 @@
               </a:rPr>
               <a:t>Quellen: 1 </a:t>
             </a:r>
-            <a:endParaRPr lang="de-DE" sz="800" dirty="0">
-              <a:solidFill>
-                <a:schemeClr val="tx1">
-                  <a:lumMod val="50000"/>
-                  <a:lumOff val="50000"/>
-                </a:schemeClr>
-              </a:solidFill>
-            </a:endParaRPr>
           </a:p>
         </p:txBody>
       </p:sp>
@@ -4803,17 +5119,10 @@
   <p:clrMapOvr>
     <a:masterClrMapping/>
   </p:clrMapOvr>
-  <p:timing>
-    <p:tnLst>
-      <p:par>
-        <p:cTn id="1" dur="indefinite" restart="never" nodeType="tmRoot"/>
-      </p:par>
-    </p:tnLst>
-  </p:timing>
 </p:sld>
 </file>
 
-<file path=ppt/slides/slide5.xml><?xml version="1.0" encoding="utf-8"?>
+<file path=ppt/slides/slide6.xml><?xml version="1.0" encoding="utf-8"?>
 <p:sld xmlns:a="http://schemas.openxmlformats.org/drawingml/2006/main" xmlns:r="http://schemas.openxmlformats.org/officeDocument/2006/relationships" xmlns:p="http://schemas.openxmlformats.org/presentationml/2006/main">
   <p:cSld>
     <p:spTree>
@@ -4847,47 +5156,35 @@
           <a:p>
             <a:r>
               <a:rPr lang="de-DE" dirty="0"/>
-              <a:t>Storage </a:t>
-            </a:r>
-            <a:r>
-              <a:rPr lang="de-DE" dirty="0" smtClean="0"/>
-              <a:t>Replication (Spiegelung der Speicherarchitektur)</a:t>
-            </a:r>
-          </a:p>
-          <a:p>
-            <a:r>
-              <a:rPr lang="de-DE" dirty="0"/>
-              <a:t>Host </a:t>
-            </a:r>
-            <a:r>
-              <a:rPr lang="de-DE" dirty="0" smtClean="0"/>
-              <a:t>Auto-</a:t>
-            </a:r>
-            <a:r>
-              <a:rPr lang="de-DE" dirty="0" err="1" smtClean="0"/>
+              <a:t>Storage Replication (Spiegelung der Speicherarchitektur)</a:t>
+            </a:r>
+          </a:p>
+          <a:p>
+            <a:r>
+              <a:rPr lang="de-DE" dirty="0"/>
+              <a:t>Host Auto-</a:t>
+            </a:r>
+            <a:r>
+              <a:rPr lang="de-DE" dirty="0" err="1"/>
               <a:t>Failure</a:t>
             </a:r>
             <a:r>
-              <a:rPr lang="de-DE" dirty="0" smtClean="0"/>
+              <a:rPr lang="de-DE" dirty="0"/>
               <a:t> (Data- und Log-</a:t>
             </a:r>
             <a:r>
-              <a:rPr lang="de-DE" dirty="0" err="1" smtClean="0"/>
+              <a:rPr lang="de-DE" dirty="0" err="1"/>
               <a:t>Volumes</a:t>
             </a:r>
             <a:r>
-              <a:rPr lang="de-DE" dirty="0" smtClean="0"/>
+              <a:rPr lang="de-DE" dirty="0"/>
               <a:t> werden von einem Hot Standby-System übernommen)</a:t>
             </a:r>
           </a:p>
           <a:p>
             <a:r>
               <a:rPr lang="de-DE" dirty="0"/>
-              <a:t>SAP HANA System </a:t>
-            </a:r>
-            <a:r>
-              <a:rPr lang="de-DE" dirty="0" smtClean="0"/>
-              <a:t>Replication (Permanente Replikation der Daten auf Sekundäres System)</a:t>
+              <a:t>SAP HANA System Replication (Permanente Replikation der Daten auf Sekundäres System)</a:t>
             </a:r>
           </a:p>
           <a:p>
@@ -4898,34 +5195,34 @@
               <a:buNone/>
             </a:pPr>
             <a:r>
-              <a:rPr lang="de-DE" dirty="0" smtClean="0"/>
+              <a:rPr lang="de-DE" dirty="0"/>
               <a:t>Wie schützt sich die </a:t>
             </a:r>
             <a:r>
-              <a:rPr lang="de-DE" dirty="0" err="1" smtClean="0"/>
+              <a:rPr lang="de-DE" dirty="0" err="1"/>
               <a:t>InMemory</a:t>
             </a:r>
             <a:r>
-              <a:rPr lang="de-DE" dirty="0" smtClean="0"/>
+              <a:rPr lang="de-DE" dirty="0"/>
               <a:t> Datenbank vor z.B. Stromausfällen?</a:t>
             </a:r>
           </a:p>
           <a:p>
             <a:r>
-              <a:rPr lang="de-DE" dirty="0" smtClean="0"/>
+              <a:rPr lang="de-DE" dirty="0"/>
               <a:t>Data- und Log-</a:t>
             </a:r>
             <a:r>
-              <a:rPr lang="de-DE" dirty="0" err="1" smtClean="0"/>
+              <a:rPr lang="de-DE" dirty="0" err="1"/>
               <a:t>Volumes</a:t>
             </a:r>
             <a:r>
-              <a:rPr lang="de-DE" dirty="0" smtClean="0"/>
+              <a:rPr lang="de-DE" dirty="0"/>
               <a:t> werden auf der Festplatte gespeichert</a:t>
             </a:r>
           </a:p>
           <a:p>
-            <a:endParaRPr lang="de-DE" dirty="0" smtClean="0"/>
+            <a:endParaRPr lang="de-DE" dirty="0"/>
           </a:p>
           <a:p>
             <a:endParaRPr lang="de-DE" dirty="0"/>
@@ -4948,10 +5245,9 @@
           <a:lstStyle/>
           <a:p>
             <a:r>
-              <a:rPr lang="de-DE" dirty="0" smtClean="0"/>
+              <a:rPr lang="de-DE" dirty="0"/>
               <a:t>Hochverfügbarkeit</a:t>
             </a:r>
-            <a:endParaRPr lang="de-DE" dirty="0"/>
           </a:p>
         </p:txBody>
       </p:sp>
@@ -4978,7 +5274,7 @@
           <a:lstStyle/>
           <a:p>
             <a:r>
-              <a:rPr lang="de-DE" sz="800" dirty="0" smtClean="0">
+              <a:rPr lang="de-DE" sz="800" dirty="0">
                 <a:solidFill>
                   <a:schemeClr val="tx1">
                     <a:lumMod val="50000"/>
@@ -4988,14 +5284,6 @@
               </a:rPr>
               <a:t>Quellen: 3  </a:t>
             </a:r>
-            <a:endParaRPr lang="de-DE" sz="800" dirty="0">
-              <a:solidFill>
-                <a:schemeClr val="tx1">
-                  <a:lumMod val="50000"/>
-                  <a:lumOff val="50000"/>
-                </a:schemeClr>
-              </a:solidFill>
-            </a:endParaRPr>
           </a:p>
         </p:txBody>
       </p:sp>
@@ -5009,17 +5297,10 @@
   <p:clrMapOvr>
     <a:masterClrMapping/>
   </p:clrMapOvr>
-  <p:timing>
-    <p:tnLst>
-      <p:par>
-        <p:cTn id="1" dur="indefinite" restart="never" nodeType="tmRoot"/>
-      </p:par>
-    </p:tnLst>
-  </p:timing>
 </p:sld>
 </file>
 
-<file path=ppt/slides/slide6.xml><?xml version="1.0" encoding="utf-8"?>
+<file path=ppt/slides/slide7.xml><?xml version="1.0" encoding="utf-8"?>
 <p:sld xmlns:a="http://schemas.openxmlformats.org/drawingml/2006/main" xmlns:r="http://schemas.openxmlformats.org/officeDocument/2006/relationships" xmlns:p="http://schemas.openxmlformats.org/presentationml/2006/main">
   <p:cSld>
     <p:spTree>
@@ -5081,10 +5362,9 @@
           <a:lstStyle/>
           <a:p>
             <a:r>
-              <a:rPr lang="de-DE" dirty="0" smtClean="0"/>
+              <a:rPr lang="de-DE" dirty="0"/>
               <a:t>Arbeitsspeicher zuweisen</a:t>
             </a:r>
-            <a:endParaRPr lang="de-DE" dirty="0"/>
           </a:p>
         </p:txBody>
       </p:sp>
@@ -5111,7 +5391,7 @@
           <a:lstStyle/>
           <a:p>
             <a:r>
-              <a:rPr lang="de-DE" sz="800" dirty="0" smtClean="0">
+              <a:rPr lang="de-DE" sz="800" dirty="0">
                 <a:solidFill>
                   <a:schemeClr val="tx1">
                     <a:lumMod val="50000"/>
@@ -5121,14 +5401,6 @@
               </a:rPr>
               <a:t>Quellen:  </a:t>
             </a:r>
-            <a:endParaRPr lang="de-DE" sz="800" dirty="0">
-              <a:solidFill>
-                <a:schemeClr val="tx1">
-                  <a:lumMod val="50000"/>
-                  <a:lumOff val="50000"/>
-                </a:schemeClr>
-              </a:solidFill>
-            </a:endParaRPr>
           </a:p>
         </p:txBody>
       </p:sp>
@@ -5142,146 +5414,6 @@
   <p:clrMapOvr>
     <a:masterClrMapping/>
   </p:clrMapOvr>
-  <p:timing>
-    <p:tnLst>
-      <p:par>
-        <p:cTn id="1" dur="indefinite" restart="never" nodeType="tmRoot"/>
-      </p:par>
-    </p:tnLst>
-  </p:timing>
-</p:sld>
-</file>
-
-<file path=ppt/slides/slide7.xml><?xml version="1.0" encoding="utf-8"?>
-<p:sld xmlns:a="http://schemas.openxmlformats.org/drawingml/2006/main" xmlns:r="http://schemas.openxmlformats.org/officeDocument/2006/relationships" xmlns:p="http://schemas.openxmlformats.org/presentationml/2006/main">
-  <p:cSld>
-    <p:spTree>
-      <p:nvGrpSpPr>
-        <p:cNvPr id="1" name=""/>
-        <p:cNvGrpSpPr/>
-        <p:nvPr/>
-      </p:nvGrpSpPr>
-      <p:grpSpPr>
-        <a:xfrm>
-          <a:off x="0" y="0"/>
-          <a:ext cx="0" cy="0"/>
-          <a:chOff x="0" y="0"/>
-          <a:chExt cx="0" cy="0"/>
-        </a:xfrm>
-      </p:grpSpPr>
-      <p:pic>
-        <p:nvPicPr>
-          <p:cNvPr id="5" name="Inhaltsplatzhalter 4"/>
-          <p:cNvPicPr>
-            <a:picLocks noGrp="1" noChangeAspect="1"/>
-          </p:cNvPicPr>
-          <p:nvPr>
-            <p:ph idx="1"/>
-          </p:nvPr>
-        </p:nvPicPr>
-        <p:blipFill>
-          <a:blip r:embed="rId2">
-            <a:extLst>
-              <a:ext uri="{28A0092B-C50C-407E-A947-70E740481C1C}">
-                <a14:useLocalDpi xmlns:a14="http://schemas.microsoft.com/office/drawing/2010/main" val="0"/>
-              </a:ext>
-            </a:extLst>
-          </a:blip>
-          <a:stretch>
-            <a:fillRect/>
-          </a:stretch>
-        </p:blipFill>
-        <p:spPr>
-          <a:xfrm>
-            <a:off x="431800" y="1440060"/>
-            <a:ext cx="8243888" cy="4481117"/>
-          </a:xfrm>
-        </p:spPr>
-      </p:pic>
-      <p:sp>
-        <p:nvSpPr>
-          <p:cNvPr id="3" name="Titel 2"/>
-          <p:cNvSpPr>
-            <a:spLocks noGrp="1"/>
-          </p:cNvSpPr>
-          <p:nvPr>
-            <p:ph type="title"/>
-          </p:nvPr>
-        </p:nvSpPr>
-        <p:spPr/>
-        <p:txBody>
-          <a:bodyPr/>
-          <a:lstStyle/>
-          <a:p>
-            <a:r>
-              <a:rPr lang="de-DE" dirty="0" smtClean="0"/>
-              <a:t>Titel der Folie</a:t>
-            </a:r>
-            <a:endParaRPr lang="de-DE" dirty="0"/>
-          </a:p>
-        </p:txBody>
-      </p:sp>
-      <p:sp>
-        <p:nvSpPr>
-          <p:cNvPr id="4" name="Textfeld 3"/>
-          <p:cNvSpPr txBox="1"/>
-          <p:nvPr/>
-        </p:nvSpPr>
-        <p:spPr>
-          <a:xfrm>
-            <a:off x="432000" y="6309320"/>
-            <a:ext cx="627095" cy="215444"/>
-          </a:xfrm>
-          <a:prstGeom prst="rect">
-            <a:avLst/>
-          </a:prstGeom>
-          <a:noFill/>
-        </p:spPr>
-        <p:txBody>
-          <a:bodyPr wrap="none" rtlCol="0">
-            <a:spAutoFit/>
-          </a:bodyPr>
-          <a:lstStyle/>
-          <a:p>
-            <a:r>
-              <a:rPr lang="de-DE" sz="800" dirty="0" smtClean="0">
-                <a:solidFill>
-                  <a:schemeClr val="tx1">
-                    <a:lumMod val="50000"/>
-                    <a:lumOff val="50000"/>
-                  </a:schemeClr>
-                </a:solidFill>
-              </a:rPr>
-              <a:t>Quellen:  </a:t>
-            </a:r>
-            <a:endParaRPr lang="de-DE" sz="800" dirty="0">
-              <a:solidFill>
-                <a:schemeClr val="tx1">
-                  <a:lumMod val="50000"/>
-                  <a:lumOff val="50000"/>
-                </a:schemeClr>
-              </a:solidFill>
-            </a:endParaRPr>
-          </a:p>
-        </p:txBody>
-      </p:sp>
-    </p:spTree>
-    <p:extLst>
-      <p:ext uri="{BB962C8B-B14F-4D97-AF65-F5344CB8AC3E}">
-        <p14:creationId xmlns:p14="http://schemas.microsoft.com/office/powerpoint/2010/main" val="3026897408"/>
-      </p:ext>
-    </p:extLst>
-  </p:cSld>
-  <p:clrMapOvr>
-    <a:masterClrMapping/>
-  </p:clrMapOvr>
-  <p:timing>
-    <p:tnLst>
-      <p:par>
-        <p:cTn id="1" dur="indefinite" restart="never" nodeType="tmRoot"/>
-      </p:par>
-    </p:tnLst>
-  </p:timing>
 </p:sld>
 </file>
 
@@ -5347,10 +5479,9 @@
           <a:lstStyle/>
           <a:p>
             <a:r>
-              <a:rPr lang="de-DE" dirty="0" smtClean="0"/>
+              <a:rPr lang="de-DE" dirty="0"/>
               <a:t>Titel der Folie</a:t>
             </a:r>
-            <a:endParaRPr lang="de-DE" dirty="0"/>
           </a:p>
         </p:txBody>
       </p:sp>
@@ -5377,7 +5508,7 @@
           <a:lstStyle/>
           <a:p>
             <a:r>
-              <a:rPr lang="de-DE" sz="800" dirty="0" smtClean="0">
+              <a:rPr lang="de-DE" sz="800" dirty="0">
                 <a:solidFill>
                   <a:schemeClr val="tx1">
                     <a:lumMod val="50000"/>
@@ -5387,34 +5518,19 @@
               </a:rPr>
               <a:t>Quellen:  </a:t>
             </a:r>
-            <a:endParaRPr lang="de-DE" sz="800" dirty="0">
-              <a:solidFill>
-                <a:schemeClr val="tx1">
-                  <a:lumMod val="50000"/>
-                  <a:lumOff val="50000"/>
-                </a:schemeClr>
-              </a:solidFill>
-            </a:endParaRPr>
           </a:p>
         </p:txBody>
       </p:sp>
     </p:spTree>
     <p:extLst>
       <p:ext uri="{BB962C8B-B14F-4D97-AF65-F5344CB8AC3E}">
-        <p14:creationId xmlns:p14="http://schemas.microsoft.com/office/powerpoint/2010/main" val="2824375222"/>
+        <p14:creationId xmlns:p14="http://schemas.microsoft.com/office/powerpoint/2010/main" val="3026897408"/>
       </p:ext>
     </p:extLst>
   </p:cSld>
   <p:clrMapOvr>
     <a:masterClrMapping/>
   </p:clrMapOvr>
-  <p:timing>
-    <p:tnLst>
-      <p:par>
-        <p:cTn id="1" dur="indefinite" restart="never" nodeType="tmRoot"/>
-      </p:par>
-    </p:tnLst>
-  </p:timing>
 </p:sld>
 </file>
 
@@ -5437,7 +5553,7 @@
       </p:grpSpPr>
       <p:pic>
         <p:nvPicPr>
-          <p:cNvPr id="6" name="Inhaltsplatzhalter 5"/>
+          <p:cNvPr id="5" name="Inhaltsplatzhalter 4"/>
           <p:cNvPicPr>
             <a:picLocks noGrp="1" noChangeAspect="1"/>
           </p:cNvPicPr>
@@ -5480,10 +5596,9 @@
           <a:lstStyle/>
           <a:p>
             <a:r>
-              <a:rPr lang="de-DE" dirty="0" smtClean="0"/>
+              <a:rPr lang="de-DE" dirty="0"/>
               <a:t>Titel der Folie</a:t>
             </a:r>
-            <a:endParaRPr lang="de-DE" dirty="0"/>
           </a:p>
         </p:txBody>
       </p:sp>
@@ -5510,7 +5625,7 @@
           <a:lstStyle/>
           <a:p>
             <a:r>
-              <a:rPr lang="de-DE" sz="800" dirty="0" smtClean="0">
+              <a:rPr lang="de-DE" sz="800" dirty="0">
                 <a:solidFill>
                   <a:schemeClr val="tx1">
                     <a:lumMod val="50000"/>
@@ -5520,34 +5635,19 @@
               </a:rPr>
               <a:t>Quellen:  </a:t>
             </a:r>
-            <a:endParaRPr lang="de-DE" sz="800" dirty="0">
-              <a:solidFill>
-                <a:schemeClr val="tx1">
-                  <a:lumMod val="50000"/>
-                  <a:lumOff val="50000"/>
-                </a:schemeClr>
-              </a:solidFill>
-            </a:endParaRPr>
           </a:p>
         </p:txBody>
       </p:sp>
     </p:spTree>
     <p:extLst>
       <p:ext uri="{BB962C8B-B14F-4D97-AF65-F5344CB8AC3E}">
-        <p14:creationId xmlns:p14="http://schemas.microsoft.com/office/powerpoint/2010/main" val="2723117229"/>
+        <p14:creationId xmlns:p14="http://schemas.microsoft.com/office/powerpoint/2010/main" val="2824375222"/>
       </p:ext>
     </p:extLst>
   </p:cSld>
   <p:clrMapOvr>
     <a:masterClrMapping/>
   </p:clrMapOvr>
-  <p:timing>
-    <p:tnLst>
-      <p:par>
-        <p:cTn id="1" dur="indefinite" restart="never" nodeType="tmRoot"/>
-      </p:par>
-    </p:tnLst>
-  </p:timing>
 </p:sld>
 </file>
 
